--- a/lectures/11_SDS_exam-preview/11_Streaming-Data-Science_exam-preview.pptx
+++ b/lectures/11_SDS_exam-preview/11_Streaming-Data-Science_exam-preview.pptx
@@ -5,7 +5,7 @@
     <p:sldMasterId id="2147483660" r:id="rId1"/>
   </p:sldMasterIdLst>
   <p:notesMasterIdLst>
-    <p:notesMasterId r:id="rId11"/>
+    <p:notesMasterId r:id="rId12"/>
   </p:notesMasterIdLst>
   <p:sldIdLst>
     <p:sldId id="1140" r:id="rId2"/>
@@ -15,8 +15,9 @@
     <p:sldId id="1148" r:id="rId6"/>
     <p:sldId id="1150" r:id="rId7"/>
     <p:sldId id="1146" r:id="rId8"/>
-    <p:sldId id="1151" r:id="rId9"/>
-    <p:sldId id="1153" r:id="rId10"/>
+    <p:sldId id="1155" r:id="rId9"/>
+    <p:sldId id="1151" r:id="rId10"/>
+    <p:sldId id="1153" r:id="rId11"/>
   </p:sldIdLst>
   <p:sldSz cx="12192000" cy="6858000"/>
   <p:notesSz cx="6858000" cy="9144000"/>
@@ -205,7 +206,7 @@
           <a:p>
             <a:fld id="{26455981-B11C-FF41-9507-47548C7C8AB8}" type="datetimeFigureOut">
               <a:rPr lang="en-US" smtClean="0"/>
-              <a:t>12/9/22</a:t>
+              <a:t>12/12/22</a:t>
             </a:fld>
             <a:endParaRPr lang="en-US"/>
           </a:p>
@@ -363,7 +364,7 @@
           <a:p>
             <a:fld id="{E5C51989-9A18-B94A-8794-50FDA8B77593}" type="slidenum">
               <a:rPr lang="en-US" smtClean="0"/>
-              <a:t>‹#›</a:t>
+              <a:t>‹N›</a:t>
             </a:fld>
             <a:endParaRPr lang="en-US"/>
           </a:p>
@@ -1403,7 +1404,7 @@
           <a:p>
             <a:fld id="{463394A2-5689-C845-95DB-27F089FB77B0}" type="slidenum">
               <a:rPr lang="en-US" smtClean="0"/>
-              <a:t>‹#›</a:t>
+              <a:t>‹N›</a:t>
             </a:fld>
             <a:endParaRPr lang="en-US"/>
           </a:p>
@@ -1600,7 +1601,7 @@
           <a:p>
             <a:fld id="{463394A2-5689-C845-95DB-27F089FB77B0}" type="slidenum">
               <a:rPr lang="en-US" smtClean="0"/>
-              <a:t>‹#›</a:t>
+              <a:t>‹N›</a:t>
             </a:fld>
             <a:endParaRPr lang="en-US"/>
           </a:p>
@@ -1807,7 +1808,7 @@
           <a:p>
             <a:fld id="{463394A2-5689-C845-95DB-27F089FB77B0}" type="slidenum">
               <a:rPr lang="en-US" smtClean="0"/>
-              <a:t>‹#›</a:t>
+              <a:t>‹N›</a:t>
             </a:fld>
             <a:endParaRPr lang="en-US"/>
           </a:p>
@@ -3077,7 +3078,7 @@
           <a:p>
             <a:fld id="{463394A2-5689-C845-95DB-27F089FB77B0}" type="slidenum">
               <a:rPr lang="en-US" smtClean="0"/>
-              <a:t>‹#›</a:t>
+              <a:t>‹N›</a:t>
             </a:fld>
             <a:endParaRPr lang="en-US"/>
           </a:p>
@@ -3351,7 +3352,7 @@
           <a:p>
             <a:fld id="{463394A2-5689-C845-95DB-27F089FB77B0}" type="slidenum">
               <a:rPr lang="en-US" smtClean="0"/>
-              <a:t>‹#›</a:t>
+              <a:t>‹N›</a:t>
             </a:fld>
             <a:endParaRPr lang="en-US"/>
           </a:p>
@@ -3615,7 +3616,7 @@
           <a:p>
             <a:fld id="{463394A2-5689-C845-95DB-27F089FB77B0}" type="slidenum">
               <a:rPr lang="en-US" smtClean="0"/>
-              <a:t>‹#›</a:t>
+              <a:t>‹N›</a:t>
             </a:fld>
             <a:endParaRPr lang="en-US"/>
           </a:p>
@@ -4026,7 +4027,7 @@
           <a:p>
             <a:fld id="{463394A2-5689-C845-95DB-27F089FB77B0}" type="slidenum">
               <a:rPr lang="en-US" smtClean="0"/>
-              <a:t>‹#›</a:t>
+              <a:t>‹N›</a:t>
             </a:fld>
             <a:endParaRPr lang="en-US"/>
           </a:p>
@@ -4166,7 +4167,7 @@
           <a:p>
             <a:fld id="{463394A2-5689-C845-95DB-27F089FB77B0}" type="slidenum">
               <a:rPr lang="en-US" smtClean="0"/>
-              <a:t>‹#›</a:t>
+              <a:t>‹N›</a:t>
             </a:fld>
             <a:endParaRPr lang="en-US"/>
           </a:p>
@@ -4278,7 +4279,7 @@
           <a:p>
             <a:fld id="{463394A2-5689-C845-95DB-27F089FB77B0}" type="slidenum">
               <a:rPr lang="en-US" smtClean="0"/>
-              <a:t>‹#›</a:t>
+              <a:t>‹N›</a:t>
             </a:fld>
             <a:endParaRPr lang="en-US"/>
           </a:p>
@@ -4588,7 +4589,7 @@
           <a:p>
             <a:fld id="{463394A2-5689-C845-95DB-27F089FB77B0}" type="slidenum">
               <a:rPr lang="en-US" smtClean="0"/>
-              <a:t>‹#›</a:t>
+              <a:t>‹N›</a:t>
             </a:fld>
             <a:endParaRPr lang="en-US"/>
           </a:p>
@@ -4875,7 +4876,7 @@
           <a:p>
             <a:fld id="{463394A2-5689-C845-95DB-27F089FB77B0}" type="slidenum">
               <a:rPr lang="en-US" smtClean="0"/>
-              <a:t>‹#›</a:t>
+              <a:t>‹N›</a:t>
             </a:fld>
             <a:endParaRPr lang="en-US"/>
           </a:p>
@@ -5151,7 +5152,7 @@
           <a:p>
             <a:fld id="{463394A2-5689-C845-95DB-27F089FB77B0}" type="slidenum">
               <a:rPr lang="en-US" smtClean="0"/>
-              <a:t>‹#›</a:t>
+              <a:t>‹N›</a:t>
             </a:fld>
             <a:endParaRPr lang="en-US"/>
           </a:p>
@@ -5707,6 +5708,247 @@
 </p:sld>
 </file>
 
+<file path=ppt/slides/slide10.xml><?xml version="1.0" encoding="utf-8"?>
+<p:sld xmlns:a="http://schemas.openxmlformats.org/drawingml/2006/main" xmlns:r="http://schemas.openxmlformats.org/officeDocument/2006/relationships" xmlns:p="http://schemas.openxmlformats.org/presentationml/2006/main">
+  <p:cSld>
+    <p:spTree>
+      <p:nvGrpSpPr>
+        <p:cNvPr id="1" name=""/>
+        <p:cNvGrpSpPr/>
+        <p:nvPr/>
+      </p:nvGrpSpPr>
+      <p:grpSpPr>
+        <a:xfrm>
+          <a:off x="0" y="0"/>
+          <a:ext cx="0" cy="0"/>
+          <a:chOff x="0" y="0"/>
+          <a:chExt cx="0" cy="0"/>
+        </a:xfrm>
+      </p:grpSpPr>
+      <p:sp>
+        <p:nvSpPr>
+          <p:cNvPr id="2" name="Subtitle 1">
+            <a:extLst>
+              <a:ext uri="{FF2B5EF4-FFF2-40B4-BE49-F238E27FC236}">
+                <a16:creationId xmlns:a16="http://schemas.microsoft.com/office/drawing/2014/main" id="{5844CE45-509E-F649-90A4-98FCBA6E2423}"/>
+              </a:ext>
+            </a:extLst>
+          </p:cNvPr>
+          <p:cNvSpPr>
+            <a:spLocks noGrp="1"/>
+          </p:cNvSpPr>
+          <p:nvPr>
+            <p:ph type="subTitle" idx="1"/>
+          </p:nvPr>
+        </p:nvSpPr>
+        <p:spPr/>
+        <p:txBody>
+          <a:bodyPr/>
+          <a:lstStyle/>
+          <a:p>
+            <a:pPr marL="177796" indent="-177796">
+              <a:spcBef>
+                <a:spcPts val="0"/>
+              </a:spcBef>
+              <a:buClr>
+                <a:schemeClr val="lt1"/>
+              </a:buClr>
+              <a:buSzPts val="1800"/>
+            </a:pPr>
+            <a:r>
+              <a:rPr lang="en" b="1" dirty="0">
+                <a:solidFill>
+                  <a:schemeClr val="tx1"/>
+                </a:solidFill>
+                <a:latin typeface="Helvetica Neue Light"/>
+                <a:ea typeface="Helvetica Neue Light"/>
+                <a:cs typeface="Helvetica Neue Light"/>
+                <a:sym typeface="Helvetica Neue Light"/>
+              </a:rPr>
+              <a:t>Emanuele Della Valle</a:t>
+            </a:r>
+          </a:p>
+          <a:p>
+            <a:pPr marL="177796" indent="-177796">
+              <a:spcBef>
+                <a:spcPts val="0"/>
+              </a:spcBef>
+              <a:buClr>
+                <a:schemeClr val="lt1"/>
+              </a:buClr>
+              <a:buSzPts val="1800"/>
+            </a:pPr>
+            <a:r>
+              <a:rPr lang="en" sz="1800" dirty="0" err="1">
+                <a:solidFill>
+                  <a:schemeClr val="tx1"/>
+                </a:solidFill>
+                <a:latin typeface="Helvetica Neue Light"/>
+                <a:ea typeface="Helvetica Neue Light"/>
+                <a:cs typeface="Helvetica Neue Light"/>
+                <a:sym typeface="Helvetica Neue Light"/>
+              </a:rPr>
+              <a:t>Politecnico</a:t>
+            </a:r>
+            <a:r>
+              <a:rPr lang="en" sz="1800" dirty="0">
+                <a:solidFill>
+                  <a:schemeClr val="tx1"/>
+                </a:solidFill>
+                <a:latin typeface="Helvetica Neue Light"/>
+                <a:ea typeface="Helvetica Neue Light"/>
+                <a:cs typeface="Helvetica Neue Light"/>
+                <a:sym typeface="Helvetica Neue Light"/>
+              </a:rPr>
+              <a:t> di Milano </a:t>
+            </a:r>
+          </a:p>
+        </p:txBody>
+      </p:sp>
+      <p:sp>
+        <p:nvSpPr>
+          <p:cNvPr id="3" name="Title 2">
+            <a:extLst>
+              <a:ext uri="{FF2B5EF4-FFF2-40B4-BE49-F238E27FC236}">
+                <a16:creationId xmlns:a16="http://schemas.microsoft.com/office/drawing/2014/main" id="{05E3092D-C75E-7446-AFAD-75E4D4F36537}"/>
+              </a:ext>
+            </a:extLst>
+          </p:cNvPr>
+          <p:cNvSpPr>
+            <a:spLocks noGrp="1"/>
+          </p:cNvSpPr>
+          <p:nvPr>
+            <p:ph type="title"/>
+          </p:nvPr>
+        </p:nvSpPr>
+        <p:spPr>
+          <a:xfrm>
+            <a:off x="960228" y="2531006"/>
+            <a:ext cx="6777003" cy="1795989"/>
+          </a:xfrm>
+        </p:spPr>
+        <p:txBody>
+          <a:bodyPr/>
+          <a:lstStyle/>
+          <a:p>
+            <a:r>
+              <a:rPr lang="en" sz="3200" b="1" dirty="0">
+                <a:solidFill>
+                  <a:schemeClr val="tx1"/>
+                </a:solidFill>
+              </a:rPr>
+              <a:t>Streaming Data Analytics </a:t>
+            </a:r>
+            <a:br>
+              <a:rPr lang="en" sz="4267" b="1" dirty="0">
+                <a:solidFill>
+                  <a:schemeClr val="tx1"/>
+                </a:solidFill>
+              </a:rPr>
+            </a:br>
+            <a:r>
+              <a:rPr lang="en" sz="4267" b="1" dirty="0">
+                <a:solidFill>
+                  <a:schemeClr val="tx1"/>
+                </a:solidFill>
+              </a:rPr>
+              <a:t>Preview of the </a:t>
+            </a:r>
+            <a:br>
+              <a:rPr lang="en" sz="4267" b="1" dirty="0">
+                <a:solidFill>
+                  <a:schemeClr val="tx1"/>
+                </a:solidFill>
+              </a:rPr>
+            </a:br>
+            <a:r>
+              <a:rPr lang="en" sz="4267" b="1" dirty="0">
+                <a:solidFill>
+                  <a:schemeClr val="tx1"/>
+                </a:solidFill>
+              </a:rPr>
+              <a:t>part of the exam about </a:t>
+            </a:r>
+            <a:br>
+              <a:rPr lang="en" sz="4267" b="1" dirty="0">
+                <a:solidFill>
+                  <a:schemeClr val="tx1"/>
+                </a:solidFill>
+              </a:rPr>
+            </a:br>
+            <a:r>
+              <a:rPr lang="en" sz="4267" b="1" dirty="0">
+                <a:solidFill>
+                  <a:schemeClr val="tx1"/>
+                </a:solidFill>
+              </a:rPr>
+              <a:t>Streaming Data Science</a:t>
+            </a:r>
+            <a:endParaRPr lang="en-US" sz="4267" b="1" dirty="0">
+              <a:solidFill>
+                <a:schemeClr val="tx1"/>
+              </a:solidFill>
+            </a:endParaRPr>
+          </a:p>
+        </p:txBody>
+      </p:sp>
+      <p:sp>
+        <p:nvSpPr>
+          <p:cNvPr id="4" name="TextBox 3">
+            <a:extLst>
+              <a:ext uri="{FF2B5EF4-FFF2-40B4-BE49-F238E27FC236}">
+                <a16:creationId xmlns:a16="http://schemas.microsoft.com/office/drawing/2014/main" id="{8B388D4E-0571-CE4D-A7E6-D64A0DA6C4F5}"/>
+              </a:ext>
+            </a:extLst>
+          </p:cNvPr>
+          <p:cNvSpPr txBox="1"/>
+          <p:nvPr/>
+        </p:nvSpPr>
+        <p:spPr>
+          <a:xfrm>
+            <a:off x="3087445" y="4098664"/>
+            <a:ext cx="184731" cy="369332"/>
+          </a:xfrm>
+          <a:prstGeom prst="rect">
+            <a:avLst/>
+          </a:prstGeom>
+          <a:noFill/>
+        </p:spPr>
+        <p:txBody>
+          <a:bodyPr wrap="none" rtlCol="0">
+            <a:spAutoFit/>
+          </a:bodyPr>
+          <a:lstStyle/>
+          <a:p>
+            <a:endParaRPr lang="it-IT" dirty="0"/>
+          </a:p>
+        </p:txBody>
+      </p:sp>
+    </p:spTree>
+    <p:extLst>
+      <p:ext uri="{BB962C8B-B14F-4D97-AF65-F5344CB8AC3E}">
+        <p14:creationId xmlns:p14="http://schemas.microsoft.com/office/powerpoint/2010/main" val="1485291633"/>
+      </p:ext>
+    </p:extLst>
+  </p:cSld>
+  <p:clrMapOvr>
+    <a:masterClrMapping/>
+  </p:clrMapOvr>
+  <mc:AlternateContent xmlns:mc="http://schemas.openxmlformats.org/markup-compatibility/2006" xmlns:p14="http://schemas.microsoft.com/office/powerpoint/2010/main">
+    <mc:Choice Requires="p14">
+      <p:transition spd="med" p14:dur="700">
+        <p:fade/>
+      </p:transition>
+    </mc:Choice>
+    <mc:Fallback xmlns="">
+      <p:transition spd="med">
+        <p:fade/>
+      </p:transition>
+    </mc:Fallback>
+  </mc:AlternateContent>
+</p:sld>
+</file>
+
 <file path=ppt/slides/slide2.xml><?xml version="1.0" encoding="utf-8"?>
 <p:sld xmlns:a="http://schemas.openxmlformats.org/drawingml/2006/main" xmlns:r="http://schemas.openxmlformats.org/officeDocument/2006/relationships" xmlns:p="http://schemas.openxmlformats.org/presentationml/2006/main">
   <p:cSld>
@@ -5791,7 +6033,7 @@
         </p:spPr>
         <p:txBody>
           <a:bodyPr>
-            <a:normAutofit/>
+            <a:normAutofit fontScale="92500" lnSpcReduction="20000"/>
           </a:bodyPr>
           <a:lstStyle/>
           <a:p>
@@ -5855,6 +6097,466 @@
               </a:rPr>
               <a:t>TBC</a:t>
             </a:r>
+          </a:p>
+          <a:p>
+            <a:pPr lvl="1"/>
+            <a:r>
+              <a:rPr lang="en-GB" sz="2400" dirty="0">
+                <a:cs typeface="Calibri"/>
+              </a:rPr>
+              <a:t>Given</a:t>
+            </a:r>
+            <a:r>
+              <a:rPr lang="en-GB" sz="2400" spc="-45" dirty="0">
+                <a:cs typeface="Calibri"/>
+              </a:rPr>
+              <a:t> </a:t>
+            </a:r>
+            <a:r>
+              <a:rPr lang="en-GB" sz="2400" dirty="0">
+                <a:cs typeface="Calibri"/>
+              </a:rPr>
+              <a:t>a</a:t>
+            </a:r>
+            <a:r>
+              <a:rPr lang="en-GB" sz="2400" spc="-35" dirty="0">
+                <a:cs typeface="Calibri"/>
+              </a:rPr>
+              <a:t> </a:t>
+            </a:r>
+            <a:r>
+              <a:rPr lang="en-GB" sz="2400" dirty="0">
+                <a:cs typeface="Calibri"/>
+              </a:rPr>
+              <a:t>python</a:t>
+            </a:r>
+            <a:r>
+              <a:rPr lang="en-GB" sz="2400" spc="-45" dirty="0">
+                <a:cs typeface="Calibri"/>
+              </a:rPr>
+              <a:t> </a:t>
+            </a:r>
+            <a:r>
+              <a:rPr lang="en-GB" sz="2400" b="1" dirty="0">
+                <a:cs typeface="Calibri"/>
+              </a:rPr>
+              <a:t>code</a:t>
+            </a:r>
+            <a:r>
+              <a:rPr lang="en-GB" sz="2400" b="1" spc="-30" dirty="0">
+                <a:cs typeface="Calibri"/>
+              </a:rPr>
+              <a:t> </a:t>
+            </a:r>
+            <a:r>
+              <a:rPr lang="en-GB" sz="2400" b="1" dirty="0">
+                <a:cs typeface="Calibri"/>
+              </a:rPr>
+              <a:t>snippet</a:t>
+            </a:r>
+            <a:r>
+              <a:rPr lang="en-GB" sz="2400" b="1" spc="-30" dirty="0">
+                <a:cs typeface="Calibri"/>
+              </a:rPr>
+              <a:t> </a:t>
+            </a:r>
+            <a:r>
+              <a:rPr lang="en-GB" sz="2400" dirty="0">
+                <a:cs typeface="Calibri"/>
+              </a:rPr>
+              <a:t>that</a:t>
+            </a:r>
+            <a:r>
+              <a:rPr lang="en-GB" sz="2400" spc="-35" dirty="0">
+                <a:cs typeface="Calibri"/>
+              </a:rPr>
+              <a:t> </a:t>
+            </a:r>
+            <a:r>
+              <a:rPr lang="en-GB" sz="2400" dirty="0">
+                <a:cs typeface="Calibri"/>
+              </a:rPr>
+              <a:t>addresses</a:t>
+            </a:r>
+            <a:r>
+              <a:rPr lang="en-GB" sz="2400" spc="-35" dirty="0">
+                <a:cs typeface="Calibri"/>
+              </a:rPr>
+              <a:t> </a:t>
+            </a:r>
+            <a:r>
+              <a:rPr lang="en-GB" sz="2400" dirty="0">
+                <a:cs typeface="Calibri"/>
+              </a:rPr>
+              <a:t>a</a:t>
+            </a:r>
+            <a:r>
+              <a:rPr lang="en-GB" sz="2400" spc="-40" dirty="0">
+                <a:cs typeface="Calibri"/>
+              </a:rPr>
+              <a:t> </a:t>
+            </a:r>
+            <a:r>
+              <a:rPr lang="en-GB" sz="2400" dirty="0">
+                <a:cs typeface="Calibri"/>
+              </a:rPr>
+              <a:t>streaming</a:t>
+            </a:r>
+            <a:r>
+              <a:rPr lang="en-GB" sz="2400" spc="-30" dirty="0">
+                <a:cs typeface="Calibri"/>
+              </a:rPr>
+              <a:t> </a:t>
+            </a:r>
+            <a:r>
+              <a:rPr lang="en-GB" sz="2400" dirty="0">
+                <a:cs typeface="Calibri"/>
+              </a:rPr>
+              <a:t>binary</a:t>
+            </a:r>
+            <a:r>
+              <a:rPr lang="en-GB" sz="2400" spc="-35" dirty="0">
+                <a:cs typeface="Calibri"/>
+              </a:rPr>
+              <a:t> </a:t>
+            </a:r>
+            <a:r>
+              <a:rPr lang="en-GB" sz="2400" dirty="0">
+                <a:cs typeface="Calibri"/>
+              </a:rPr>
+              <a:t>classification</a:t>
+            </a:r>
+            <a:r>
+              <a:rPr lang="en-GB" sz="2400" spc="-40" dirty="0">
+                <a:cs typeface="Calibri"/>
+              </a:rPr>
+              <a:t> </a:t>
+            </a:r>
+            <a:r>
+              <a:rPr lang="en-GB" sz="2400" spc="-10" dirty="0">
+                <a:cs typeface="Calibri"/>
+              </a:rPr>
+              <a:t>problem </a:t>
+            </a:r>
+            <a:r>
+              <a:rPr lang="en-GB" sz="2400" dirty="0">
+                <a:cs typeface="Calibri"/>
+              </a:rPr>
+              <a:t>or</a:t>
+            </a:r>
+            <a:r>
+              <a:rPr lang="en-GB" sz="2400" spc="-40" dirty="0">
+                <a:cs typeface="Calibri"/>
+              </a:rPr>
+              <a:t> </a:t>
+            </a:r>
+            <a:r>
+              <a:rPr lang="en-GB" sz="2400" dirty="0">
+                <a:cs typeface="Calibri"/>
+              </a:rPr>
+              <a:t>a</a:t>
+            </a:r>
+            <a:r>
+              <a:rPr lang="en-GB" sz="2400" spc="-30" dirty="0">
+                <a:cs typeface="Calibri"/>
+              </a:rPr>
+              <a:t> </a:t>
+            </a:r>
+            <a:r>
+              <a:rPr lang="en-GB" sz="2400" dirty="0">
+                <a:cs typeface="Calibri"/>
+              </a:rPr>
+              <a:t>time</a:t>
+            </a:r>
+            <a:r>
+              <a:rPr lang="en-GB" sz="2400" spc="-20" dirty="0">
+                <a:cs typeface="Calibri"/>
+              </a:rPr>
+              <a:t> </a:t>
+            </a:r>
+            <a:r>
+              <a:rPr lang="en-GB" sz="2400" dirty="0">
+                <a:cs typeface="Calibri"/>
+              </a:rPr>
+              <a:t>series</a:t>
+            </a:r>
+            <a:r>
+              <a:rPr lang="en-GB" sz="2400" spc="-20" dirty="0">
+                <a:cs typeface="Calibri"/>
+              </a:rPr>
+              <a:t> </a:t>
+            </a:r>
+            <a:r>
+              <a:rPr lang="en-GB" sz="2400" spc="-10" dirty="0">
+                <a:cs typeface="Calibri"/>
+              </a:rPr>
+              <a:t>forecasting</a:t>
+            </a:r>
+            <a:r>
+              <a:rPr lang="en-GB" sz="2400" spc="-30" dirty="0">
+                <a:cs typeface="Calibri"/>
+              </a:rPr>
+              <a:t> </a:t>
+            </a:r>
+            <a:r>
+              <a:rPr lang="en-GB" sz="2400" dirty="0">
+                <a:cs typeface="Calibri"/>
+              </a:rPr>
+              <a:t>problem</a:t>
+            </a:r>
+            <a:r>
+              <a:rPr lang="en-GB" sz="2400" spc="-20" dirty="0">
+                <a:cs typeface="Calibri"/>
+              </a:rPr>
+              <a:t> </a:t>
+            </a:r>
+            <a:r>
+              <a:rPr lang="en-GB" sz="2400" b="1" dirty="0">
+                <a:cs typeface="Calibri"/>
+              </a:rPr>
+              <a:t>comment</a:t>
+            </a:r>
+            <a:r>
+              <a:rPr lang="en-GB" sz="2400" b="1" spc="-20" dirty="0">
+                <a:cs typeface="Calibri"/>
+              </a:rPr>
+              <a:t> </a:t>
+            </a:r>
+            <a:r>
+              <a:rPr lang="en-GB" sz="2400" dirty="0">
+                <a:cs typeface="Calibri"/>
+              </a:rPr>
+              <a:t>what</a:t>
+            </a:r>
+            <a:r>
+              <a:rPr lang="en-GB" sz="2400" spc="-25" dirty="0">
+                <a:cs typeface="Calibri"/>
+              </a:rPr>
+              <a:t> </a:t>
+            </a:r>
+            <a:r>
+              <a:rPr lang="en-GB" sz="2400" dirty="0">
+                <a:cs typeface="Calibri"/>
+              </a:rPr>
+              <a:t>the</a:t>
+            </a:r>
+            <a:r>
+              <a:rPr lang="en-GB" sz="2400" spc="-20" dirty="0">
+                <a:cs typeface="Calibri"/>
+              </a:rPr>
+              <a:t> </a:t>
+            </a:r>
+            <a:r>
+              <a:rPr lang="en-GB" sz="2400" dirty="0">
+                <a:cs typeface="Calibri"/>
+              </a:rPr>
+              <a:t>code</a:t>
+            </a:r>
+            <a:r>
+              <a:rPr lang="en-GB" sz="2400" spc="-20" dirty="0">
+                <a:cs typeface="Calibri"/>
+              </a:rPr>
+              <a:t> </a:t>
+            </a:r>
+            <a:r>
+              <a:rPr lang="en-GB" sz="2400" dirty="0">
+                <a:cs typeface="Calibri"/>
+              </a:rPr>
+              <a:t>tries</a:t>
+            </a:r>
+            <a:r>
+              <a:rPr lang="en-GB" sz="2400" spc="-25" dirty="0">
+                <a:cs typeface="Calibri"/>
+              </a:rPr>
+              <a:t> </a:t>
+            </a:r>
+            <a:r>
+              <a:rPr lang="en-GB" sz="2400" dirty="0">
+                <a:cs typeface="Calibri"/>
+              </a:rPr>
+              <a:t>to</a:t>
+            </a:r>
+            <a:r>
+              <a:rPr lang="en-GB" sz="2400" spc="-25" dirty="0">
+                <a:cs typeface="Calibri"/>
+              </a:rPr>
+              <a:t> </a:t>
+            </a:r>
+            <a:r>
+              <a:rPr lang="en-GB" sz="2400" dirty="0">
+                <a:cs typeface="Calibri"/>
+              </a:rPr>
+              <a:t>achieve</a:t>
+            </a:r>
+            <a:r>
+              <a:rPr lang="en-GB" sz="2400" spc="-20" dirty="0">
+                <a:cs typeface="Calibri"/>
+              </a:rPr>
+              <a:t> </a:t>
+            </a:r>
+            <a:r>
+              <a:rPr lang="en-GB" sz="2400" dirty="0">
+                <a:cs typeface="Calibri"/>
+              </a:rPr>
+              <a:t>and</a:t>
+            </a:r>
+            <a:r>
+              <a:rPr lang="en-GB" sz="2400" spc="-20" dirty="0">
+                <a:cs typeface="Calibri"/>
+              </a:rPr>
+              <a:t> </a:t>
+            </a:r>
+            <a:r>
+              <a:rPr lang="en-GB" sz="2400" b="1" dirty="0">
+                <a:cs typeface="Calibri"/>
+              </a:rPr>
+              <a:t>fill</a:t>
+            </a:r>
+            <a:r>
+              <a:rPr lang="en-GB" sz="2400" b="1" spc="-25" dirty="0">
+                <a:cs typeface="Calibri"/>
+              </a:rPr>
+              <a:t> in </a:t>
+            </a:r>
+            <a:r>
+              <a:rPr lang="en-GB" sz="2400" b="1" dirty="0">
+                <a:cs typeface="Calibri"/>
+              </a:rPr>
+              <a:t>missing</a:t>
+            </a:r>
+            <a:r>
+              <a:rPr lang="en-GB" sz="2400" b="1" spc="-55" dirty="0">
+                <a:cs typeface="Calibri"/>
+              </a:rPr>
+              <a:t> </a:t>
+            </a:r>
+            <a:r>
+              <a:rPr lang="en-GB" sz="2400" b="1" dirty="0">
+                <a:cs typeface="Calibri"/>
+              </a:rPr>
+              <a:t>parts</a:t>
+            </a:r>
+            <a:r>
+              <a:rPr lang="en-GB" sz="2400" b="1" spc="-40" dirty="0">
+                <a:cs typeface="Calibri"/>
+              </a:rPr>
+              <a:t> </a:t>
+            </a:r>
+            <a:r>
+              <a:rPr lang="en-GB" sz="2400" dirty="0">
+                <a:cs typeface="Calibri"/>
+              </a:rPr>
+              <a:t>explaining</a:t>
+            </a:r>
+            <a:r>
+              <a:rPr lang="en-GB" sz="2400" spc="-40" dirty="0">
+                <a:cs typeface="Calibri"/>
+              </a:rPr>
+              <a:t> </a:t>
+            </a:r>
+            <a:r>
+              <a:rPr lang="en-GB" sz="2400" b="1" dirty="0">
+                <a:cs typeface="Calibri"/>
+              </a:rPr>
+              <a:t>why</a:t>
+            </a:r>
+            <a:r>
+              <a:rPr lang="en-GB" sz="2400" b="1" spc="-40" dirty="0">
+                <a:cs typeface="Calibri"/>
+              </a:rPr>
+              <a:t> </a:t>
+            </a:r>
+            <a:r>
+              <a:rPr lang="en-GB" sz="2400" dirty="0">
+                <a:cs typeface="Calibri"/>
+              </a:rPr>
+              <a:t>you</a:t>
+            </a:r>
+            <a:r>
+              <a:rPr lang="en-GB" sz="2400" spc="-40" dirty="0">
+                <a:cs typeface="Calibri"/>
+              </a:rPr>
+              <a:t> </a:t>
+            </a:r>
+            <a:r>
+              <a:rPr lang="en-GB" sz="2400" dirty="0">
+                <a:cs typeface="Calibri"/>
+              </a:rPr>
+              <a:t>did</a:t>
+            </a:r>
+            <a:r>
+              <a:rPr lang="en-GB" sz="2400" spc="-40" dirty="0">
+                <a:cs typeface="Calibri"/>
+              </a:rPr>
+              <a:t> </a:t>
+            </a:r>
+            <a:r>
+              <a:rPr lang="en-GB" sz="2400" spc="-25" dirty="0">
+                <a:cs typeface="Calibri"/>
+              </a:rPr>
+              <a:t>so</a:t>
+            </a:r>
+          </a:p>
+          <a:p>
+            <a:pPr lvl="1"/>
+            <a:r>
+              <a:rPr lang="en-GB" spc="-25" dirty="0">
+                <a:cs typeface="Calibri"/>
+              </a:rPr>
+              <a:t>Given a particular </a:t>
+            </a:r>
+            <a:r>
+              <a:rPr lang="en-GB" b="1" spc="-25" dirty="0">
+                <a:cs typeface="Calibri"/>
+              </a:rPr>
+              <a:t>problem/task/situation</a:t>
+            </a:r>
+            <a:r>
+              <a:rPr lang="en-GB" spc="-25" dirty="0">
+                <a:cs typeface="Calibri"/>
+              </a:rPr>
+              <a:t>, explain </a:t>
+            </a:r>
+            <a:r>
+              <a:rPr lang="en-GB" b="1" spc="-25" dirty="0">
+                <a:cs typeface="Calibri"/>
+              </a:rPr>
+              <a:t>how </a:t>
+            </a:r>
+            <a:r>
+              <a:rPr lang="en-GB" spc="-25" dirty="0">
+                <a:cs typeface="Calibri"/>
+              </a:rPr>
+              <a:t>you would solve it (methods, metrics, evaluation used) and comment </a:t>
+            </a:r>
+            <a:r>
+              <a:rPr lang="en-GB" b="1" spc="-25" dirty="0">
+                <a:cs typeface="Calibri"/>
+              </a:rPr>
+              <a:t>why</a:t>
+            </a:r>
+            <a:endParaRPr lang="it-IT" sz="2400" b="1" dirty="0">
+              <a:latin typeface="Calibri"/>
+              <a:cs typeface="Calibri"/>
+            </a:endParaRPr>
+          </a:p>
+          <a:p>
+            <a:pPr marL="457189" lvl="1" indent="0">
+              <a:buNone/>
+            </a:pPr>
+            <a:endParaRPr lang="en-GB" dirty="0">
+              <a:solidFill>
+                <a:srgbClr val="FF0000"/>
+              </a:solidFill>
+            </a:endParaRPr>
+          </a:p>
+          <a:p>
+            <a:pPr lvl="1"/>
+            <a:endParaRPr lang="en-GB" dirty="0">
+              <a:solidFill>
+                <a:srgbClr val="FF0000"/>
+              </a:solidFill>
+            </a:endParaRPr>
           </a:p>
           <a:p>
             <a:pPr marL="457189" lvl="1" indent="0" algn="r">
@@ -7037,7 +7739,156 @@
           </a:bodyPr>
           <a:lstStyle/>
           <a:p>
+            <a:r>
+              <a:rPr lang="en-GB" dirty="0"/>
+              <a:t>Code-snippets fill-in &amp; comment</a:t>
+            </a:r>
+          </a:p>
+          <a:p>
+            <a:pPr marL="0" indent="0">
+              <a:buNone/>
+            </a:pPr>
             <a:endParaRPr lang="en-GB" dirty="0"/>
+          </a:p>
+          <a:p>
+            <a:pPr marL="0" indent="0">
+              <a:buNone/>
+            </a:pPr>
+            <a:r>
+              <a:rPr lang="en-GB" sz="2400" dirty="0"/>
+              <a:t>model = ……………………………………………………………</a:t>
+            </a:r>
+            <a:br>
+              <a:rPr lang="en-GB" sz="2400" dirty="0"/>
+            </a:br>
+            <a:r>
+              <a:rPr lang="en-GB" sz="2400" dirty="0"/>
+              <a:t>metric = …………………………………………………………… </a:t>
+            </a:r>
+            <a:br>
+              <a:rPr lang="en-GB" sz="2400" dirty="0"/>
+            </a:br>
+            <a:r>
+              <a:rPr lang="en-GB" sz="2400" dirty="0"/>
+              <a:t>stream = </a:t>
+            </a:r>
+            <a:r>
+              <a:rPr lang="en-GB" sz="2400" dirty="0" err="1"/>
+              <a:t>iter_pandas</a:t>
+            </a:r>
+            <a:r>
+              <a:rPr lang="en-GB" sz="2400" dirty="0"/>
+              <a:t>(X=data[features], y=data['class’])</a:t>
+            </a:r>
+            <a:br>
+              <a:rPr lang="en-GB" sz="2400" dirty="0"/>
+            </a:br>
+            <a:r>
+              <a:rPr lang="en-GB" sz="2400" dirty="0" err="1"/>
+              <a:t>progressive_val_score</a:t>
+            </a:r>
+            <a:r>
+              <a:rPr lang="en-GB" sz="2400" dirty="0"/>
+              <a:t>(…………………………………….,</a:t>
+            </a:r>
+            <a:br>
+              <a:rPr lang="en-GB" sz="2400" dirty="0"/>
+            </a:br>
+            <a:r>
+              <a:rPr lang="en-GB" sz="2400" dirty="0"/>
+              <a:t>		         …………………………………….,</a:t>
+            </a:r>
+            <a:br>
+              <a:rPr lang="en-GB" sz="2400" dirty="0"/>
+            </a:br>
+            <a:r>
+              <a:rPr lang="en-GB" sz="2400" dirty="0"/>
+              <a:t>		         …………………………………….,</a:t>
+            </a:r>
+            <a:br>
+              <a:rPr lang="en-GB" sz="2400" dirty="0"/>
+            </a:br>
+            <a:r>
+              <a:rPr lang="en-GB" sz="2400" dirty="0"/>
+              <a:t>		         </a:t>
+            </a:r>
+            <a:r>
+              <a:rPr lang="en-GB" sz="2400" dirty="0" err="1"/>
+              <a:t>print_every</a:t>
+            </a:r>
+            <a:r>
+              <a:rPr lang="en-GB" sz="2400" dirty="0"/>
+              <a:t>=1000)</a:t>
+            </a:r>
+          </a:p>
+          <a:p>
+            <a:pPr marL="0" indent="0">
+              <a:buNone/>
+            </a:pPr>
+            <a:endParaRPr lang="en-GB" sz="2000" dirty="0"/>
+          </a:p>
+          <a:p>
+            <a:pPr marL="0" indent="0">
+              <a:buNone/>
+            </a:pPr>
+            <a:r>
+              <a:rPr lang="it-IT" dirty="0">
+                <a:cs typeface="Calibri"/>
+              </a:rPr>
+              <a:t>For</a:t>
+            </a:r>
+            <a:r>
+              <a:rPr lang="it-IT" spc="-5" dirty="0">
+                <a:cs typeface="Calibri"/>
+              </a:rPr>
+              <a:t> </a:t>
+            </a:r>
+            <a:r>
+              <a:rPr lang="it-IT" dirty="0">
+                <a:cs typeface="Calibri"/>
+              </a:rPr>
+              <a:t>the</a:t>
+            </a:r>
+            <a:r>
+              <a:rPr lang="it-IT" spc="20" dirty="0">
+                <a:cs typeface="Calibri"/>
+              </a:rPr>
+              <a:t> </a:t>
+            </a:r>
+            <a:r>
+              <a:rPr lang="it-IT" dirty="0">
+                <a:cs typeface="Calibri"/>
+              </a:rPr>
+              <a:t>solution</a:t>
+            </a:r>
+            <a:r>
+              <a:rPr lang="it-IT" spc="5" dirty="0">
+                <a:cs typeface="Calibri"/>
+              </a:rPr>
+              <a:t> </a:t>
+            </a:r>
+            <a:r>
+              <a:rPr lang="it-IT" dirty="0" err="1">
+                <a:cs typeface="Calibri"/>
+              </a:rPr>
+              <a:t>see</a:t>
+            </a:r>
+            <a:r>
+              <a:rPr lang="it-IT" dirty="0">
+                <a:cs typeface="Calibri"/>
+              </a:rPr>
+              <a:t> </a:t>
+            </a:r>
+            <a:r>
+              <a:rPr lang="it-IT" dirty="0">
+                <a:cs typeface="Calibri"/>
+                <a:hlinkClick r:id="rId2"/>
+              </a:rPr>
+              <a:t>here</a:t>
+            </a:r>
+            <a:endParaRPr lang="it-IT" dirty="0">
+              <a:cs typeface="Calibri"/>
+            </a:endParaRPr>
           </a:p>
         </p:txBody>
       </p:sp>
@@ -7161,7 +8012,7 @@
             </a:r>
             <a:r>
               <a:rPr lang="en-GB" b="1" dirty="0"/>
-              <a:t>TSA</a:t>
+              <a:t>SML</a:t>
             </a:r>
             <a:endParaRPr lang="it-IT" b="1" dirty="0"/>
           </a:p>
@@ -7198,6 +8049,40 @@
           </a:bodyPr>
           <a:lstStyle/>
           <a:p>
+            <a:r>
+              <a:rPr lang="en-GB" dirty="0"/>
+              <a:t>Problem solving</a:t>
+            </a:r>
+          </a:p>
+          <a:p>
+            <a:pPr marL="0" indent="0">
+              <a:buNone/>
+            </a:pPr>
+            <a:endParaRPr lang="en-GB" dirty="0"/>
+          </a:p>
+          <a:p>
+            <a:pPr lvl="1"/>
+            <a:r>
+              <a:rPr lang="en-GB" dirty="0"/>
+              <a:t>Given a particular data stream, describe which method, evaluation mode, concept drift detector and metric you would use and why, listing the expected results</a:t>
+            </a:r>
+          </a:p>
+          <a:p>
+            <a:pPr lvl="1"/>
+            <a:r>
+              <a:rPr lang="en-GB" dirty="0"/>
+              <a:t>Given a particular data stream, describe which concept drift detector you would use and why</a:t>
+            </a:r>
+            <a:r>
+              <a:rPr lang="en-GB"/>
+              <a:t>, listing the expected results</a:t>
+            </a:r>
+            <a:endParaRPr lang="en-GB" dirty="0"/>
+          </a:p>
+          <a:p>
+            <a:pPr marL="0" indent="0">
+              <a:buNone/>
+            </a:pPr>
             <a:endParaRPr lang="en-GB" dirty="0"/>
           </a:p>
         </p:txBody>
@@ -7262,7 +8147,7 @@
     </p:spTree>
     <p:extLst>
       <p:ext uri="{BB962C8B-B14F-4D97-AF65-F5344CB8AC3E}">
-        <p14:creationId xmlns:p14="http://schemas.microsoft.com/office/powerpoint/2010/main" val="3410039972"/>
+        <p14:creationId xmlns:p14="http://schemas.microsoft.com/office/powerpoint/2010/main" val="2947216780"/>
       </p:ext>
     </p:extLst>
   </p:cSld>
@@ -7291,225 +8176,145 @@
       </p:grpSpPr>
       <p:sp>
         <p:nvSpPr>
-          <p:cNvPr id="2" name="Subtitle 1">
-            <a:extLst>
-              <a:ext uri="{FF2B5EF4-FFF2-40B4-BE49-F238E27FC236}">
-                <a16:creationId xmlns:a16="http://schemas.microsoft.com/office/drawing/2014/main" id="{5844CE45-509E-F649-90A4-98FCBA6E2423}"/>
-              </a:ext>
-            </a:extLst>
-          </p:cNvPr>
-          <p:cNvSpPr>
-            <a:spLocks noGrp="1"/>
-          </p:cNvSpPr>
-          <p:nvPr>
-            <p:ph type="subTitle" idx="1"/>
+          <p:cNvPr id="9" name="Title 8">
+            <a:extLst>
+              <a:ext uri="{FF2B5EF4-FFF2-40B4-BE49-F238E27FC236}">
+                <a16:creationId xmlns:a16="http://schemas.microsoft.com/office/drawing/2014/main" id="{885E2613-CFFE-8746-BB6F-5FF859931508}"/>
+              </a:ext>
+            </a:extLst>
+          </p:cNvPr>
+          <p:cNvSpPr>
+            <a:spLocks noGrp="1"/>
+          </p:cNvSpPr>
+          <p:nvPr>
+            <p:ph type="title"/>
           </p:nvPr>
         </p:nvSpPr>
         <p:spPr/>
         <p:txBody>
-          <a:bodyPr/>
-          <a:lstStyle/>
-          <a:p>
-            <a:pPr marL="177796" indent="-177796">
-              <a:spcBef>
-                <a:spcPts val="0"/>
-              </a:spcBef>
-              <a:buClr>
-                <a:schemeClr val="lt1"/>
-              </a:buClr>
-              <a:buSzPts val="1800"/>
-            </a:pPr>
-            <a:r>
-              <a:rPr lang="en" b="1" dirty="0">
-                <a:solidFill>
-                  <a:schemeClr val="tx1"/>
-                </a:solidFill>
-                <a:latin typeface="Helvetica Neue Light"/>
-                <a:ea typeface="Helvetica Neue Light"/>
-                <a:cs typeface="Helvetica Neue Light"/>
-                <a:sym typeface="Helvetica Neue Light"/>
-              </a:rPr>
-              <a:t>Emanuele Della Valle</a:t>
-            </a:r>
-          </a:p>
-          <a:p>
-            <a:pPr marL="177796" indent="-177796">
-              <a:spcBef>
-                <a:spcPts val="0"/>
-              </a:spcBef>
-              <a:buClr>
-                <a:schemeClr val="lt1"/>
-              </a:buClr>
-              <a:buSzPts val="1800"/>
-            </a:pPr>
-            <a:r>
-              <a:rPr lang="en" sz="1800" dirty="0" err="1">
-                <a:solidFill>
-                  <a:schemeClr val="tx1"/>
-                </a:solidFill>
-                <a:latin typeface="Helvetica Neue Light"/>
-                <a:ea typeface="Helvetica Neue Light"/>
-                <a:cs typeface="Helvetica Neue Light"/>
-                <a:sym typeface="Helvetica Neue Light"/>
-              </a:rPr>
-              <a:t>Politecnico</a:t>
-            </a:r>
-            <a:r>
-              <a:rPr lang="en" sz="1800" dirty="0">
-                <a:solidFill>
-                  <a:schemeClr val="tx1"/>
-                </a:solidFill>
-                <a:latin typeface="Helvetica Neue Light"/>
-                <a:ea typeface="Helvetica Neue Light"/>
-                <a:cs typeface="Helvetica Neue Light"/>
-                <a:sym typeface="Helvetica Neue Light"/>
-              </a:rPr>
-              <a:t> di Milano </a:t>
-            </a:r>
-          </a:p>
-        </p:txBody>
-      </p:sp>
-      <p:sp>
-        <p:nvSpPr>
-          <p:cNvPr id="3" name="Title 2">
-            <a:extLst>
-              <a:ext uri="{FF2B5EF4-FFF2-40B4-BE49-F238E27FC236}">
-                <a16:creationId xmlns:a16="http://schemas.microsoft.com/office/drawing/2014/main" id="{05E3092D-C75E-7446-AFAD-75E4D4F36537}"/>
-              </a:ext>
-            </a:extLst>
-          </p:cNvPr>
-          <p:cNvSpPr>
-            <a:spLocks noGrp="1"/>
-          </p:cNvSpPr>
-          <p:nvPr>
-            <p:ph type="title"/>
+          <a:bodyPr>
+            <a:normAutofit/>
+          </a:bodyPr>
+          <a:lstStyle/>
+          <a:p>
+            <a:r>
+              <a:rPr lang="en-GB" b="1" dirty="0"/>
+              <a:t>Exercises</a:t>
+            </a:r>
+            <a:r>
+              <a:rPr lang="en-GB" dirty="0"/>
+              <a:t> on </a:t>
+            </a:r>
+            <a:r>
+              <a:rPr lang="en-GB" b="1" dirty="0"/>
+              <a:t>TSA</a:t>
+            </a:r>
+            <a:endParaRPr lang="it-IT" b="1" dirty="0"/>
+          </a:p>
+        </p:txBody>
+      </p:sp>
+      <p:sp>
+        <p:nvSpPr>
+          <p:cNvPr id="10" name="Content Placeholder 9">
+            <a:extLst>
+              <a:ext uri="{FF2B5EF4-FFF2-40B4-BE49-F238E27FC236}">
+                <a16:creationId xmlns:a16="http://schemas.microsoft.com/office/drawing/2014/main" id="{74517F86-4B29-7742-9D41-82F9D9CAC7B3}"/>
+              </a:ext>
+            </a:extLst>
+          </p:cNvPr>
+          <p:cNvSpPr>
+            <a:spLocks noGrp="1"/>
+          </p:cNvSpPr>
+          <p:nvPr>
+            <p:ph idx="1"/>
           </p:nvPr>
         </p:nvSpPr>
         <p:spPr>
           <a:xfrm>
-            <a:off x="960228" y="2531006"/>
-            <a:ext cx="6777003" cy="1795989"/>
+            <a:off x="838200" y="1825625"/>
+            <a:ext cx="10791092" cy="4351339"/>
           </a:xfrm>
+          <a:solidFill>
+            <a:srgbClr val="FFFF00"/>
+          </a:solidFill>
         </p:spPr>
         <p:txBody>
+          <a:bodyPr>
+            <a:normAutofit/>
+          </a:bodyPr>
+          <a:lstStyle/>
+          <a:p>
+            <a:endParaRPr lang="en-GB" dirty="0"/>
+          </a:p>
+        </p:txBody>
+      </p:sp>
+      <p:sp>
+        <p:nvSpPr>
+          <p:cNvPr id="7" name="Footer Placeholder 6">
+            <a:extLst>
+              <a:ext uri="{FF2B5EF4-FFF2-40B4-BE49-F238E27FC236}">
+                <a16:creationId xmlns:a16="http://schemas.microsoft.com/office/drawing/2014/main" id="{0C5A1F71-D77F-5049-B6DB-FD7CA69ED1CE}"/>
+              </a:ext>
+            </a:extLst>
+          </p:cNvPr>
+          <p:cNvSpPr>
+            <a:spLocks noGrp="1"/>
+          </p:cNvSpPr>
+          <p:nvPr>
+            <p:ph type="ftr" sz="quarter" idx="11"/>
+          </p:nvPr>
+        </p:nvSpPr>
+        <p:spPr/>
+        <p:txBody>
           <a:bodyPr/>
           <a:lstStyle/>
           <a:p>
             <a:r>
-              <a:rPr lang="en" sz="3200" b="1" dirty="0">
-                <a:solidFill>
-                  <a:schemeClr val="tx1"/>
-                </a:solidFill>
-              </a:rPr>
-              <a:t>Streaming Data Analytics </a:t>
-            </a:r>
-            <a:br>
-              <a:rPr lang="en" sz="4267" b="1" dirty="0">
-                <a:solidFill>
-                  <a:schemeClr val="tx1"/>
-                </a:solidFill>
-              </a:rPr>
-            </a:br>
-            <a:r>
-              <a:rPr lang="en" sz="4267" b="1" dirty="0">
-                <a:solidFill>
-                  <a:schemeClr val="tx1"/>
-                </a:solidFill>
-              </a:rPr>
-              <a:t>Preview of the </a:t>
-            </a:r>
-            <a:br>
-              <a:rPr lang="en" sz="4267" b="1" dirty="0">
-                <a:solidFill>
-                  <a:schemeClr val="tx1"/>
-                </a:solidFill>
-              </a:rPr>
-            </a:br>
-            <a:r>
-              <a:rPr lang="en" sz="4267" b="1" dirty="0">
-                <a:solidFill>
-                  <a:schemeClr val="tx1"/>
-                </a:solidFill>
-              </a:rPr>
-              <a:t>part of the exam about </a:t>
-            </a:r>
-            <a:br>
-              <a:rPr lang="en" sz="4267" b="1" dirty="0">
-                <a:solidFill>
-                  <a:schemeClr val="tx1"/>
-                </a:solidFill>
-              </a:rPr>
-            </a:br>
-            <a:r>
-              <a:rPr lang="en" sz="4267" b="1" dirty="0">
-                <a:solidFill>
-                  <a:schemeClr val="tx1"/>
-                </a:solidFill>
-              </a:rPr>
-              <a:t>Streaming Data Science</a:t>
-            </a:r>
-            <a:endParaRPr lang="en-US" sz="4267" b="1" dirty="0">
-              <a:solidFill>
-                <a:schemeClr val="tx1"/>
-              </a:solidFill>
-            </a:endParaRPr>
-          </a:p>
-        </p:txBody>
-      </p:sp>
-      <p:sp>
-        <p:nvSpPr>
-          <p:cNvPr id="4" name="TextBox 3">
-            <a:extLst>
-              <a:ext uri="{FF2B5EF4-FFF2-40B4-BE49-F238E27FC236}">
-                <a16:creationId xmlns:a16="http://schemas.microsoft.com/office/drawing/2014/main" id="{8B388D4E-0571-CE4D-A7E6-D64A0DA6C4F5}"/>
-              </a:ext>
-            </a:extLst>
-          </p:cNvPr>
-          <p:cNvSpPr txBox="1"/>
-          <p:nvPr/>
-        </p:nvSpPr>
-        <p:spPr>
-          <a:xfrm>
-            <a:off x="3087445" y="4098664"/>
-            <a:ext cx="184731" cy="369332"/>
-          </a:xfrm>
-          <a:prstGeom prst="rect">
-            <a:avLst/>
-          </a:prstGeom>
-          <a:noFill/>
-        </p:spPr>
-        <p:txBody>
-          <a:bodyPr wrap="none" rtlCol="0">
-            <a:spAutoFit/>
-          </a:bodyPr>
-          <a:lstStyle/>
-          <a:p>
-            <a:endParaRPr lang="it-IT" dirty="0"/>
+              <a:rPr lang="en-US"/>
+              <a:t>Emanuele Della Valle - http://emanueledellavalle.org</a:t>
+            </a:r>
+          </a:p>
+        </p:txBody>
+      </p:sp>
+      <p:sp>
+        <p:nvSpPr>
+          <p:cNvPr id="8" name="Slide Number Placeholder 7">
+            <a:extLst>
+              <a:ext uri="{FF2B5EF4-FFF2-40B4-BE49-F238E27FC236}">
+                <a16:creationId xmlns:a16="http://schemas.microsoft.com/office/drawing/2014/main" id="{9316B443-3F82-BD42-92CF-B32FAD9B5193}"/>
+              </a:ext>
+            </a:extLst>
+          </p:cNvPr>
+          <p:cNvSpPr>
+            <a:spLocks noGrp="1"/>
+          </p:cNvSpPr>
+          <p:nvPr>
+            <p:ph type="sldNum" sz="quarter" idx="12"/>
+          </p:nvPr>
+        </p:nvSpPr>
+        <p:spPr/>
+        <p:txBody>
+          <a:bodyPr/>
+          <a:lstStyle/>
+          <a:p>
+            <a:fld id="{463394A2-5689-C845-95DB-27F089FB77B0}" type="slidenum">
+              <a:rPr lang="en-US" smtClean="0"/>
+              <a:t>9</a:t>
+            </a:fld>
+            <a:endParaRPr lang="en-US"/>
           </a:p>
         </p:txBody>
       </p:sp>
     </p:spTree>
     <p:extLst>
       <p:ext uri="{BB962C8B-B14F-4D97-AF65-F5344CB8AC3E}">
-        <p14:creationId xmlns:p14="http://schemas.microsoft.com/office/powerpoint/2010/main" val="1485291633"/>
+        <p14:creationId xmlns:p14="http://schemas.microsoft.com/office/powerpoint/2010/main" val="3410039972"/>
       </p:ext>
     </p:extLst>
   </p:cSld>
   <p:clrMapOvr>
     <a:masterClrMapping/>
   </p:clrMapOvr>
-  <mc:AlternateContent xmlns:mc="http://schemas.openxmlformats.org/markup-compatibility/2006" xmlns:p14="http://schemas.microsoft.com/office/powerpoint/2010/main">
-    <mc:Choice Requires="p14">
-      <p:transition spd="med" p14:dur="700">
-        <p:fade/>
-      </p:transition>
-    </mc:Choice>
-    <mc:Fallback xmlns="">
-      <p:transition spd="med">
-        <p:fade/>
-      </p:transition>
-    </mc:Fallback>
-  </mc:AlternateContent>
 </p:sld>
 </file>
 

--- a/lectures/11_SDS_exam-preview/11_Streaming-Data-Science_exam-preview.pptx
+++ b/lectures/11_SDS_exam-preview/11_Streaming-Data-Science_exam-preview.pptx
@@ -5,19 +5,22 @@
     <p:sldMasterId id="2147483660" r:id="rId1"/>
   </p:sldMasterIdLst>
   <p:notesMasterIdLst>
-    <p:notesMasterId r:id="rId12"/>
+    <p:notesMasterId r:id="rId15"/>
   </p:notesMasterIdLst>
   <p:sldIdLst>
     <p:sldId id="1140" r:id="rId2"/>
     <p:sldId id="1154" r:id="rId3"/>
     <p:sldId id="1147" r:id="rId4"/>
     <p:sldId id="1149" r:id="rId5"/>
-    <p:sldId id="1148" r:id="rId6"/>
-    <p:sldId id="1150" r:id="rId7"/>
-    <p:sldId id="1146" r:id="rId8"/>
-    <p:sldId id="1155" r:id="rId9"/>
-    <p:sldId id="1151" r:id="rId10"/>
-    <p:sldId id="1153" r:id="rId11"/>
+    <p:sldId id="1158" r:id="rId6"/>
+    <p:sldId id="1148" r:id="rId7"/>
+    <p:sldId id="1150" r:id="rId8"/>
+    <p:sldId id="1157" r:id="rId9"/>
+    <p:sldId id="1146" r:id="rId10"/>
+    <p:sldId id="1155" r:id="rId11"/>
+    <p:sldId id="1159" r:id="rId12"/>
+    <p:sldId id="1151" r:id="rId13"/>
+    <p:sldId id="1153" r:id="rId14"/>
   </p:sldIdLst>
   <p:sldSz cx="12192000" cy="6858000"/>
   <p:notesSz cx="6858000" cy="9144000"/>
@@ -206,7 +209,7 @@
           <a:p>
             <a:fld id="{26455981-B11C-FF41-9507-47548C7C8AB8}" type="datetimeFigureOut">
               <a:rPr lang="en-US" smtClean="0"/>
-              <a:t>12/12/22</a:t>
+              <a:t>12/15/22</a:t>
             </a:fld>
             <a:endParaRPr lang="en-US"/>
           </a:p>
@@ -517,46 +520,6 @@
           <a:bodyPr/>
           <a:lstStyle/>
           <a:p>
-            <a:r>
-              <a:rPr lang="en-US" dirty="0"/>
-              <a:t>TODO: @Alessio, @Giacomo, </a:t>
-            </a:r>
-            <a:r>
-              <a:rPr lang="en-US" dirty="0" err="1"/>
-              <a:t>descrivere</a:t>
-            </a:r>
-            <a:r>
-              <a:rPr lang="en-US" dirty="0"/>
-              <a:t> </a:t>
-            </a:r>
-            <a:r>
-              <a:rPr lang="en-US" dirty="0" err="1"/>
-              <a:t>gli</a:t>
-            </a:r>
-            <a:r>
-              <a:rPr lang="en-US" dirty="0"/>
-              <a:t> </a:t>
-            </a:r>
-            <a:r>
-              <a:rPr lang="en-US" dirty="0" err="1"/>
-              <a:t>esercizi</a:t>
-            </a:r>
-            <a:r>
-              <a:rPr lang="en-US" dirty="0"/>
-              <a:t> e decider </a:t>
-            </a:r>
-            <a:r>
-              <a:rPr lang="en-US" dirty="0" err="1"/>
-              <a:t>i</a:t>
-            </a:r>
-            <a:r>
-              <a:rPr lang="en-US" dirty="0"/>
-              <a:t> </a:t>
-            </a:r>
-            <a:r>
-              <a:rPr lang="en-US" dirty="0" err="1"/>
-              <a:t>punti</a:t>
-            </a:r>
             <a:endParaRPr lang="en-US" dirty="0"/>
           </a:p>
         </p:txBody>
@@ -588,6 +551,110 @@
     <p:extLst>
       <p:ext uri="{BB962C8B-B14F-4D97-AF65-F5344CB8AC3E}">
         <p14:creationId xmlns:p14="http://schemas.microsoft.com/office/powerpoint/2010/main" val="716129344"/>
+      </p:ext>
+    </p:extLst>
+  </p:cSld>
+  <p:clrMapOvr>
+    <a:masterClrMapping/>
+  </p:clrMapOvr>
+</p:notes>
+</file>
+
+<file path=ppt/notesSlides/notesSlide10.xml><?xml version="1.0" encoding="utf-8"?>
+<p:notes xmlns:a="http://schemas.openxmlformats.org/drawingml/2006/main" xmlns:r="http://schemas.openxmlformats.org/officeDocument/2006/relationships" xmlns:p="http://schemas.openxmlformats.org/presentationml/2006/main">
+  <p:cSld>
+    <p:spTree>
+      <p:nvGrpSpPr>
+        <p:cNvPr id="1" name=""/>
+        <p:cNvGrpSpPr/>
+        <p:nvPr/>
+      </p:nvGrpSpPr>
+      <p:grpSpPr>
+        <a:xfrm>
+          <a:off x="0" y="0"/>
+          <a:ext cx="0" cy="0"/>
+          <a:chOff x="0" y="0"/>
+          <a:chExt cx="0" cy="0"/>
+        </a:xfrm>
+      </p:grpSpPr>
+      <p:sp>
+        <p:nvSpPr>
+          <p:cNvPr id="2" name="Segnaposto immagine diapositiva 1"/>
+          <p:cNvSpPr>
+            <a:spLocks noGrp="1" noRot="1" noChangeAspect="1"/>
+          </p:cNvSpPr>
+          <p:nvPr>
+            <p:ph type="sldImg"/>
+          </p:nvPr>
+        </p:nvSpPr>
+        <p:spPr/>
+      </p:sp>
+      <p:sp>
+        <p:nvSpPr>
+          <p:cNvPr id="3" name="Segnaposto note 2"/>
+          <p:cNvSpPr>
+            <a:spLocks noGrp="1"/>
+          </p:cNvSpPr>
+          <p:nvPr>
+            <p:ph type="body" idx="1"/>
+          </p:nvPr>
+        </p:nvSpPr>
+        <p:spPr/>
+        <p:txBody>
+          <a:bodyPr/>
+          <a:lstStyle/>
+          <a:p>
+            <a:pPr marL="0" marR="0" lvl="0" indent="0" algn="l" defTabSz="914400" rtl="0" eaLnBrk="1" fontAlgn="auto" latinLnBrk="0" hangingPunct="1">
+              <a:lnSpc>
+                <a:spcPct val="100000"/>
+              </a:lnSpc>
+              <a:spcBef>
+                <a:spcPts val="0"/>
+              </a:spcBef>
+              <a:spcAft>
+                <a:spcPts val="0"/>
+              </a:spcAft>
+              <a:buClrTx/>
+              <a:buSzTx/>
+              <a:buFontTx/>
+              <a:buNone/>
+              <a:tabLst/>
+              <a:defRPr/>
+            </a:pPr>
+            <a:endParaRPr lang="en-US" dirty="0">
+              <a:latin typeface="Calibri" panose="020F0502020204030204" pitchFamily="34" charset="0"/>
+              <a:cs typeface="Calibri" panose="020F0502020204030204" pitchFamily="34" charset="0"/>
+            </a:endParaRPr>
+          </a:p>
+        </p:txBody>
+      </p:sp>
+      <p:sp>
+        <p:nvSpPr>
+          <p:cNvPr id="4" name="Segnaposto numero diapositiva 3"/>
+          <p:cNvSpPr>
+            <a:spLocks noGrp="1"/>
+          </p:cNvSpPr>
+          <p:nvPr>
+            <p:ph type="sldNum" sz="quarter" idx="5"/>
+          </p:nvPr>
+        </p:nvSpPr>
+        <p:spPr/>
+        <p:txBody>
+          <a:bodyPr/>
+          <a:lstStyle/>
+          <a:p>
+            <a:fld id="{E5C51989-9A18-B94A-8794-50FDA8B77593}" type="slidenum">
+              <a:rPr lang="en-US" smtClean="0"/>
+              <a:t>12</a:t>
+            </a:fld>
+            <a:endParaRPr lang="en-US"/>
+          </a:p>
+        </p:txBody>
+      </p:sp>
+    </p:spTree>
+    <p:extLst>
+      <p:ext uri="{BB962C8B-B14F-4D97-AF65-F5344CB8AC3E}">
+        <p14:creationId xmlns:p14="http://schemas.microsoft.com/office/powerpoint/2010/main" val="3694539174"/>
       </p:ext>
     </p:extLst>
   </p:cSld>
@@ -640,53 +707,6 @@
         <p:txBody>
           <a:bodyPr/>
           <a:lstStyle/>
-          <a:p>
-            <a:pPr marL="0" marR="0" lvl="0" indent="0" algn="l" defTabSz="914400" rtl="0" eaLnBrk="1" fontAlgn="auto" latinLnBrk="0" hangingPunct="1">
-              <a:lnSpc>
-                <a:spcPct val="100000"/>
-              </a:lnSpc>
-              <a:spcBef>
-                <a:spcPts val="0"/>
-              </a:spcBef>
-              <a:spcAft>
-                <a:spcPts val="0"/>
-              </a:spcAft>
-              <a:buClrTx/>
-              <a:buSzTx/>
-              <a:buFontTx/>
-              <a:buNone/>
-              <a:tabLst/>
-              <a:defRPr/>
-            </a:pPr>
-            <a:r>
-              <a:rPr lang="en-US" dirty="0"/>
-              <a:t>TODO: @Alessio, @Giacomo, </a:t>
-            </a:r>
-            <a:r>
-              <a:rPr lang="en-US" dirty="0" err="1"/>
-              <a:t>rivedere</a:t>
-            </a:r>
-            <a:r>
-              <a:rPr lang="en-US" dirty="0"/>
-              <a:t> e </a:t>
-            </a:r>
-            <a:r>
-              <a:rPr lang="en-US" dirty="0" err="1"/>
-              <a:t>aggiungere</a:t>
-            </a:r>
-            <a:r>
-              <a:rPr lang="en-US" dirty="0"/>
-              <a:t> (se </a:t>
-            </a:r>
-            <a:r>
-              <a:rPr lang="en-US" dirty="0" err="1"/>
-              <a:t>necessario</a:t>
-            </a:r>
-            <a:r>
-              <a:rPr lang="en-US" dirty="0"/>
-              <a:t>)</a:t>
-            </a:r>
-          </a:p>
           <a:p>
             <a:endParaRPr lang="en-US" dirty="0"/>
           </a:p>
@@ -772,83 +792,6 @@
           <a:bodyPr/>
           <a:lstStyle/>
           <a:p>
-            <a:pPr marL="0" marR="0" lvl="0" indent="0" algn="l" defTabSz="914400" rtl="0" eaLnBrk="1" fontAlgn="auto" latinLnBrk="0" hangingPunct="1">
-              <a:lnSpc>
-                <a:spcPct val="100000"/>
-              </a:lnSpc>
-              <a:spcBef>
-                <a:spcPts val="0"/>
-              </a:spcBef>
-              <a:spcAft>
-                <a:spcPts val="0"/>
-              </a:spcAft>
-              <a:buClrTx/>
-              <a:buSzTx/>
-              <a:buFontTx/>
-              <a:buNone/>
-              <a:tabLst/>
-              <a:defRPr/>
-            </a:pPr>
-            <a:r>
-              <a:rPr lang="en-US" dirty="0"/>
-              <a:t>TODO: @Alessio, @Giacomo, </a:t>
-            </a:r>
-            <a:r>
-              <a:rPr lang="en-US" dirty="0" err="1"/>
-              <a:t>rivedere</a:t>
-            </a:r>
-            <a:r>
-              <a:rPr lang="en-US" dirty="0"/>
-              <a:t> e </a:t>
-            </a:r>
-            <a:r>
-              <a:rPr lang="en-US" dirty="0" err="1"/>
-              <a:t>aggiungere</a:t>
-            </a:r>
-            <a:r>
-              <a:rPr lang="en-US" dirty="0"/>
-              <a:t> (se </a:t>
-            </a:r>
-            <a:r>
-              <a:rPr lang="en-US" dirty="0" err="1"/>
-              <a:t>necessario</a:t>
-            </a:r>
-            <a:r>
-              <a:rPr lang="en-US" dirty="0"/>
-              <a:t>)</a:t>
-            </a:r>
-          </a:p>
-          <a:p>
-            <a:r>
-              <a:rPr lang="en-US" dirty="0"/>
-              <a:t>TODO: @Federico, </a:t>
-            </a:r>
-            <a:r>
-              <a:rPr lang="en-US" dirty="0" err="1"/>
-              <a:t>aggiungere</a:t>
-            </a:r>
-            <a:r>
-              <a:rPr lang="en-US" dirty="0"/>
-              <a:t> </a:t>
-            </a:r>
-            <a:r>
-              <a:rPr lang="en-US" dirty="0" err="1"/>
-              <a:t>qualcosa</a:t>
-            </a:r>
-            <a:r>
-              <a:rPr lang="en-US" dirty="0"/>
-              <a:t> </a:t>
-            </a:r>
-            <a:r>
-              <a:rPr lang="en-US" dirty="0" err="1"/>
-              <a:t>su</a:t>
-            </a:r>
-            <a:r>
-              <a:rPr lang="en-US" dirty="0"/>
-              <a:t> Continual AI</a:t>
-            </a:r>
-          </a:p>
-          <a:p>
             <a:endParaRPr lang="en-US" dirty="0"/>
           </a:p>
         </p:txBody>
@@ -950,39 +893,6 @@
               <a:tabLst/>
               <a:defRPr/>
             </a:pPr>
-            <a:r>
-              <a:rPr lang="en-US" dirty="0"/>
-              <a:t>TODO: @Alessio, @Giacomo, </a:t>
-            </a:r>
-            <a:r>
-              <a:rPr lang="en-US" dirty="0" err="1"/>
-              <a:t>rivedere</a:t>
-            </a:r>
-            <a:r>
-              <a:rPr lang="en-US" dirty="0"/>
-              <a:t> e </a:t>
-            </a:r>
-            <a:r>
-              <a:rPr lang="en-US" dirty="0" err="1"/>
-              <a:t>aggiungere</a:t>
-            </a:r>
-            <a:r>
-              <a:rPr lang="en-US" dirty="0"/>
-              <a:t> (se </a:t>
-            </a:r>
-            <a:r>
-              <a:rPr lang="en-US" dirty="0" err="1"/>
-              <a:t>necessario</a:t>
-            </a:r>
-            <a:r>
-              <a:rPr lang="en-US" dirty="0"/>
-              <a:t>)</a:t>
-            </a:r>
-          </a:p>
-          <a:p>
-            <a:endParaRPr lang="en-US" dirty="0"/>
-          </a:p>
-          <a:p>
             <a:endParaRPr lang="en-US" dirty="0"/>
           </a:p>
         </p:txBody>
@@ -1013,7 +923,7 @@
     </p:spTree>
     <p:extLst>
       <p:ext uri="{BB962C8B-B14F-4D97-AF65-F5344CB8AC3E}">
-        <p14:creationId xmlns:p14="http://schemas.microsoft.com/office/powerpoint/2010/main" val="3109066170"/>
+        <p14:creationId xmlns:p14="http://schemas.microsoft.com/office/powerpoint/2010/main" val="1457669835"/>
       </p:ext>
     </p:extLst>
   </p:cSld>
@@ -1067,100 +977,6 @@
           <a:bodyPr/>
           <a:lstStyle/>
           <a:p>
-            <a:pPr marL="0" marR="0" lvl="0" indent="0" algn="l" defTabSz="914400" rtl="0" eaLnBrk="1" fontAlgn="auto" latinLnBrk="0" hangingPunct="1">
-              <a:lnSpc>
-                <a:spcPct val="100000"/>
-              </a:lnSpc>
-              <a:spcBef>
-                <a:spcPts val="0"/>
-              </a:spcBef>
-              <a:spcAft>
-                <a:spcPts val="0"/>
-              </a:spcAft>
-              <a:buClrTx/>
-              <a:buSzTx/>
-              <a:buFontTx/>
-              <a:buNone/>
-              <a:tabLst/>
-              <a:defRPr/>
-            </a:pPr>
-            <a:r>
-              <a:rPr lang="en-US" dirty="0"/>
-              <a:t>TODO: @Alessio, @Giacomo, </a:t>
-            </a:r>
-            <a:r>
-              <a:rPr lang="en-US" dirty="0" err="1"/>
-              <a:t>rivedere</a:t>
-            </a:r>
-            <a:r>
-              <a:rPr lang="en-US" dirty="0"/>
-              <a:t> e </a:t>
-            </a:r>
-            <a:r>
-              <a:rPr lang="en-US" dirty="0" err="1"/>
-              <a:t>aggiungere</a:t>
-            </a:r>
-            <a:r>
-              <a:rPr lang="en-US" dirty="0"/>
-              <a:t> (se </a:t>
-            </a:r>
-            <a:r>
-              <a:rPr lang="en-US" dirty="0" err="1"/>
-              <a:t>necessario</a:t>
-            </a:r>
-            <a:r>
-              <a:rPr lang="en-US" dirty="0"/>
-              <a:t>)</a:t>
-            </a:r>
-          </a:p>
-          <a:p>
-            <a:pPr marL="0" marR="0" lvl="0" indent="0" algn="l" defTabSz="914400" rtl="0" eaLnBrk="1" fontAlgn="auto" latinLnBrk="0" hangingPunct="1">
-              <a:lnSpc>
-                <a:spcPct val="100000"/>
-              </a:lnSpc>
-              <a:spcBef>
-                <a:spcPts val="0"/>
-              </a:spcBef>
-              <a:spcAft>
-                <a:spcPts val="0"/>
-              </a:spcAft>
-              <a:buClrTx/>
-              <a:buSzTx/>
-              <a:buFontTx/>
-              <a:buNone/>
-              <a:tabLst/>
-              <a:defRPr/>
-            </a:pPr>
-            <a:r>
-              <a:rPr lang="en-US" dirty="0"/>
-              <a:t>TODO: @Federico, </a:t>
-            </a:r>
-            <a:r>
-              <a:rPr lang="en-US" dirty="0" err="1"/>
-              <a:t>aggiungere</a:t>
-            </a:r>
-            <a:r>
-              <a:rPr lang="en-US" dirty="0"/>
-              <a:t> </a:t>
-            </a:r>
-            <a:r>
-              <a:rPr lang="en-US" dirty="0" err="1"/>
-              <a:t>qualcosa</a:t>
-            </a:r>
-            <a:r>
-              <a:rPr lang="en-US" dirty="0"/>
-              <a:t> </a:t>
-            </a:r>
-            <a:r>
-              <a:rPr lang="en-US" dirty="0" err="1"/>
-              <a:t>su</a:t>
-            </a:r>
-            <a:r>
-              <a:rPr lang="en-US" dirty="0"/>
-              <a:t> Continual AI</a:t>
-            </a:r>
-          </a:p>
-          <a:p>
             <a:endParaRPr lang="en-US" dirty="0"/>
           </a:p>
           <a:p>
@@ -1194,7 +1010,343 @@
     </p:spTree>
     <p:extLst>
       <p:ext uri="{BB962C8B-B14F-4D97-AF65-F5344CB8AC3E}">
+        <p14:creationId xmlns:p14="http://schemas.microsoft.com/office/powerpoint/2010/main" val="3109066170"/>
+      </p:ext>
+    </p:extLst>
+  </p:cSld>
+  <p:clrMapOvr>
+    <a:masterClrMapping/>
+  </p:clrMapOvr>
+</p:notes>
+</file>
+
+<file path=ppt/notesSlides/notesSlide6.xml><?xml version="1.0" encoding="utf-8"?>
+<p:notes xmlns:a="http://schemas.openxmlformats.org/drawingml/2006/main" xmlns:r="http://schemas.openxmlformats.org/officeDocument/2006/relationships" xmlns:p="http://schemas.openxmlformats.org/presentationml/2006/main">
+  <p:cSld>
+    <p:spTree>
+      <p:nvGrpSpPr>
+        <p:cNvPr id="1" name=""/>
+        <p:cNvGrpSpPr/>
+        <p:nvPr/>
+      </p:nvGrpSpPr>
+      <p:grpSpPr>
+        <a:xfrm>
+          <a:off x="0" y="0"/>
+          <a:ext cx="0" cy="0"/>
+          <a:chOff x="0" y="0"/>
+          <a:chExt cx="0" cy="0"/>
+        </a:xfrm>
+      </p:grpSpPr>
+      <p:sp>
+        <p:nvSpPr>
+          <p:cNvPr id="2" name="Slide Image Placeholder 1"/>
+          <p:cNvSpPr>
+            <a:spLocks noGrp="1" noRot="1" noChangeAspect="1"/>
+          </p:cNvSpPr>
+          <p:nvPr>
+            <p:ph type="sldImg"/>
+          </p:nvPr>
+        </p:nvSpPr>
+        <p:spPr/>
+      </p:sp>
+      <p:sp>
+        <p:nvSpPr>
+          <p:cNvPr id="3" name="Notes Placeholder 2"/>
+          <p:cNvSpPr>
+            <a:spLocks noGrp="1"/>
+          </p:cNvSpPr>
+          <p:nvPr>
+            <p:ph type="body" idx="1"/>
+          </p:nvPr>
+        </p:nvSpPr>
+        <p:spPr/>
+        <p:txBody>
+          <a:bodyPr/>
+          <a:lstStyle/>
+          <a:p>
+            <a:endParaRPr lang="en-US" dirty="0"/>
+          </a:p>
+        </p:txBody>
+      </p:sp>
+      <p:sp>
+        <p:nvSpPr>
+          <p:cNvPr id="4" name="Slide Number Placeholder 3"/>
+          <p:cNvSpPr>
+            <a:spLocks noGrp="1"/>
+          </p:cNvSpPr>
+          <p:nvPr>
+            <p:ph type="sldNum" sz="quarter" idx="5"/>
+          </p:nvPr>
+        </p:nvSpPr>
+        <p:spPr/>
+        <p:txBody>
+          <a:bodyPr/>
+          <a:lstStyle/>
+          <a:p>
+            <a:fld id="{E5C51989-9A18-B94A-8794-50FDA8B77593}" type="slidenum">
+              <a:rPr lang="en-US" smtClean="0"/>
+              <a:t>7</a:t>
+            </a:fld>
+            <a:endParaRPr lang="en-US"/>
+          </a:p>
+        </p:txBody>
+      </p:sp>
+    </p:spTree>
+    <p:extLst>
+      <p:ext uri="{BB962C8B-B14F-4D97-AF65-F5344CB8AC3E}">
         <p14:creationId xmlns:p14="http://schemas.microsoft.com/office/powerpoint/2010/main" val="65936339"/>
+      </p:ext>
+    </p:extLst>
+  </p:cSld>
+  <p:clrMapOvr>
+    <a:masterClrMapping/>
+  </p:clrMapOvr>
+</p:notes>
+</file>
+
+<file path=ppt/notesSlides/notesSlide7.xml><?xml version="1.0" encoding="utf-8"?>
+<p:notes xmlns:a="http://schemas.openxmlformats.org/drawingml/2006/main" xmlns:r="http://schemas.openxmlformats.org/officeDocument/2006/relationships" xmlns:p="http://schemas.openxmlformats.org/presentationml/2006/main">
+  <p:cSld>
+    <p:spTree>
+      <p:nvGrpSpPr>
+        <p:cNvPr id="1" name=""/>
+        <p:cNvGrpSpPr/>
+        <p:nvPr/>
+      </p:nvGrpSpPr>
+      <p:grpSpPr>
+        <a:xfrm>
+          <a:off x="0" y="0"/>
+          <a:ext cx="0" cy="0"/>
+          <a:chOff x="0" y="0"/>
+          <a:chExt cx="0" cy="0"/>
+        </a:xfrm>
+      </p:grpSpPr>
+      <p:sp>
+        <p:nvSpPr>
+          <p:cNvPr id="2" name="Slide Image Placeholder 1"/>
+          <p:cNvSpPr>
+            <a:spLocks noGrp="1" noRot="1" noChangeAspect="1"/>
+          </p:cNvSpPr>
+          <p:nvPr>
+            <p:ph type="sldImg"/>
+          </p:nvPr>
+        </p:nvSpPr>
+        <p:spPr/>
+      </p:sp>
+      <p:sp>
+        <p:nvSpPr>
+          <p:cNvPr id="3" name="Notes Placeholder 2"/>
+          <p:cNvSpPr>
+            <a:spLocks noGrp="1"/>
+          </p:cNvSpPr>
+          <p:nvPr>
+            <p:ph type="body" idx="1"/>
+          </p:nvPr>
+        </p:nvSpPr>
+        <p:spPr/>
+        <p:txBody>
+          <a:bodyPr/>
+          <a:lstStyle/>
+          <a:p>
+            <a:endParaRPr lang="en-US" dirty="0"/>
+          </a:p>
+        </p:txBody>
+      </p:sp>
+      <p:sp>
+        <p:nvSpPr>
+          <p:cNvPr id="4" name="Slide Number Placeholder 3"/>
+          <p:cNvSpPr>
+            <a:spLocks noGrp="1"/>
+          </p:cNvSpPr>
+          <p:nvPr>
+            <p:ph type="sldNum" sz="quarter" idx="5"/>
+          </p:nvPr>
+        </p:nvSpPr>
+        <p:spPr/>
+        <p:txBody>
+          <a:bodyPr/>
+          <a:lstStyle/>
+          <a:p>
+            <a:fld id="{E5C51989-9A18-B94A-8794-50FDA8B77593}" type="slidenum">
+              <a:rPr lang="en-US" smtClean="0"/>
+              <a:t>8</a:t>
+            </a:fld>
+            <a:endParaRPr lang="en-US"/>
+          </a:p>
+        </p:txBody>
+      </p:sp>
+    </p:spTree>
+    <p:extLst>
+      <p:ext uri="{BB962C8B-B14F-4D97-AF65-F5344CB8AC3E}">
+        <p14:creationId xmlns:p14="http://schemas.microsoft.com/office/powerpoint/2010/main" val="2570877332"/>
+      </p:ext>
+    </p:extLst>
+  </p:cSld>
+  <p:clrMapOvr>
+    <a:masterClrMapping/>
+  </p:clrMapOvr>
+</p:notes>
+</file>
+
+<file path=ppt/notesSlides/notesSlide8.xml><?xml version="1.0" encoding="utf-8"?>
+<p:notes xmlns:a="http://schemas.openxmlformats.org/drawingml/2006/main" xmlns:r="http://schemas.openxmlformats.org/officeDocument/2006/relationships" xmlns:p="http://schemas.openxmlformats.org/presentationml/2006/main">
+  <p:cSld>
+    <p:spTree>
+      <p:nvGrpSpPr>
+        <p:cNvPr id="1" name=""/>
+        <p:cNvGrpSpPr/>
+        <p:nvPr/>
+      </p:nvGrpSpPr>
+      <p:grpSpPr>
+        <a:xfrm>
+          <a:off x="0" y="0"/>
+          <a:ext cx="0" cy="0"/>
+          <a:chOff x="0" y="0"/>
+          <a:chExt cx="0" cy="0"/>
+        </a:xfrm>
+      </p:grpSpPr>
+      <p:sp>
+        <p:nvSpPr>
+          <p:cNvPr id="2" name="Segnaposto immagine diapositiva 1"/>
+          <p:cNvSpPr>
+            <a:spLocks noGrp="1" noRot="1" noChangeAspect="1"/>
+          </p:cNvSpPr>
+          <p:nvPr>
+            <p:ph type="sldImg"/>
+          </p:nvPr>
+        </p:nvSpPr>
+        <p:spPr/>
+      </p:sp>
+      <p:sp>
+        <p:nvSpPr>
+          <p:cNvPr id="3" name="Segnaposto note 2"/>
+          <p:cNvSpPr>
+            <a:spLocks noGrp="1"/>
+          </p:cNvSpPr>
+          <p:nvPr>
+            <p:ph type="body" idx="1"/>
+          </p:nvPr>
+        </p:nvSpPr>
+        <p:spPr/>
+        <p:txBody>
+          <a:bodyPr/>
+          <a:lstStyle/>
+          <a:p>
+            <a:endParaRPr lang="it-IT" dirty="0"/>
+          </a:p>
+        </p:txBody>
+      </p:sp>
+      <p:sp>
+        <p:nvSpPr>
+          <p:cNvPr id="4" name="Segnaposto numero diapositiva 3"/>
+          <p:cNvSpPr>
+            <a:spLocks noGrp="1"/>
+          </p:cNvSpPr>
+          <p:nvPr>
+            <p:ph type="sldNum" sz="quarter" idx="5"/>
+          </p:nvPr>
+        </p:nvSpPr>
+        <p:spPr/>
+        <p:txBody>
+          <a:bodyPr/>
+          <a:lstStyle/>
+          <a:p>
+            <a:fld id="{E5C51989-9A18-B94A-8794-50FDA8B77593}" type="slidenum">
+              <a:rPr lang="en-US" smtClean="0"/>
+              <a:t>10</a:t>
+            </a:fld>
+            <a:endParaRPr lang="en-US"/>
+          </a:p>
+        </p:txBody>
+      </p:sp>
+    </p:spTree>
+    <p:extLst>
+      <p:ext uri="{BB962C8B-B14F-4D97-AF65-F5344CB8AC3E}">
+        <p14:creationId xmlns:p14="http://schemas.microsoft.com/office/powerpoint/2010/main" val="814058651"/>
+      </p:ext>
+    </p:extLst>
+  </p:cSld>
+  <p:clrMapOvr>
+    <a:masterClrMapping/>
+  </p:clrMapOvr>
+</p:notes>
+</file>
+
+<file path=ppt/notesSlides/notesSlide9.xml><?xml version="1.0" encoding="utf-8"?>
+<p:notes xmlns:a="http://schemas.openxmlformats.org/drawingml/2006/main" xmlns:r="http://schemas.openxmlformats.org/officeDocument/2006/relationships" xmlns:p="http://schemas.openxmlformats.org/presentationml/2006/main">
+  <p:cSld>
+    <p:spTree>
+      <p:nvGrpSpPr>
+        <p:cNvPr id="1" name=""/>
+        <p:cNvGrpSpPr/>
+        <p:nvPr/>
+      </p:nvGrpSpPr>
+      <p:grpSpPr>
+        <a:xfrm>
+          <a:off x="0" y="0"/>
+          <a:ext cx="0" cy="0"/>
+          <a:chOff x="0" y="0"/>
+          <a:chExt cx="0" cy="0"/>
+        </a:xfrm>
+      </p:grpSpPr>
+      <p:sp>
+        <p:nvSpPr>
+          <p:cNvPr id="2" name="Segnaposto immagine diapositiva 1"/>
+          <p:cNvSpPr>
+            <a:spLocks noGrp="1" noRot="1" noChangeAspect="1"/>
+          </p:cNvSpPr>
+          <p:nvPr>
+            <p:ph type="sldImg"/>
+          </p:nvPr>
+        </p:nvSpPr>
+        <p:spPr/>
+      </p:sp>
+      <p:sp>
+        <p:nvSpPr>
+          <p:cNvPr id="3" name="Segnaposto note 2"/>
+          <p:cNvSpPr>
+            <a:spLocks noGrp="1"/>
+          </p:cNvSpPr>
+          <p:nvPr>
+            <p:ph type="body" idx="1"/>
+          </p:nvPr>
+        </p:nvSpPr>
+        <p:spPr/>
+        <p:txBody>
+          <a:bodyPr/>
+          <a:lstStyle/>
+          <a:p>
+            <a:endParaRPr lang="it-IT" dirty="0"/>
+          </a:p>
+        </p:txBody>
+      </p:sp>
+      <p:sp>
+        <p:nvSpPr>
+          <p:cNvPr id="4" name="Segnaposto numero diapositiva 3"/>
+          <p:cNvSpPr>
+            <a:spLocks noGrp="1"/>
+          </p:cNvSpPr>
+          <p:nvPr>
+            <p:ph type="sldNum" sz="quarter" idx="5"/>
+          </p:nvPr>
+        </p:nvSpPr>
+        <p:spPr/>
+        <p:txBody>
+          <a:bodyPr/>
+          <a:lstStyle/>
+          <a:p>
+            <a:fld id="{E5C51989-9A18-B94A-8794-50FDA8B77593}" type="slidenum">
+              <a:rPr lang="en-US" smtClean="0"/>
+              <a:t>11</a:t>
+            </a:fld>
+            <a:endParaRPr lang="en-US"/>
+          </a:p>
+        </p:txBody>
+      </p:sp>
+    </p:spTree>
+    <p:extLst>
+      <p:ext uri="{BB962C8B-B14F-4D97-AF65-F5344CB8AC3E}">
+        <p14:creationId xmlns:p14="http://schemas.microsoft.com/office/powerpoint/2010/main" val="3117379662"/>
       </p:ext>
     </p:extLst>
   </p:cSld>
@@ -5727,6 +5879,744 @@
       </p:grpSpPr>
       <p:sp>
         <p:nvSpPr>
+          <p:cNvPr id="9" name="Title 8">
+            <a:extLst>
+              <a:ext uri="{FF2B5EF4-FFF2-40B4-BE49-F238E27FC236}">
+                <a16:creationId xmlns:a16="http://schemas.microsoft.com/office/drawing/2014/main" id="{885E2613-CFFE-8746-BB6F-5FF859931508}"/>
+              </a:ext>
+            </a:extLst>
+          </p:cNvPr>
+          <p:cNvSpPr>
+            <a:spLocks noGrp="1"/>
+          </p:cNvSpPr>
+          <p:nvPr>
+            <p:ph type="title"/>
+          </p:nvPr>
+        </p:nvSpPr>
+        <p:spPr/>
+        <p:txBody>
+          <a:bodyPr>
+            <a:normAutofit/>
+          </a:bodyPr>
+          <a:lstStyle/>
+          <a:p>
+            <a:r>
+              <a:rPr lang="en-GB" b="1" dirty="0"/>
+              <a:t>Exercises</a:t>
+            </a:r>
+            <a:r>
+              <a:rPr lang="en-GB" dirty="0"/>
+              <a:t> on </a:t>
+            </a:r>
+            <a:r>
+              <a:rPr lang="en-GB" b="1" dirty="0"/>
+              <a:t>SML</a:t>
+            </a:r>
+            <a:endParaRPr lang="it-IT" b="1" dirty="0"/>
+          </a:p>
+        </p:txBody>
+      </p:sp>
+      <p:sp>
+        <p:nvSpPr>
+          <p:cNvPr id="10" name="Content Placeholder 9">
+            <a:extLst>
+              <a:ext uri="{FF2B5EF4-FFF2-40B4-BE49-F238E27FC236}">
+                <a16:creationId xmlns:a16="http://schemas.microsoft.com/office/drawing/2014/main" id="{74517F86-4B29-7742-9D41-82F9D9CAC7B3}"/>
+              </a:ext>
+            </a:extLst>
+          </p:cNvPr>
+          <p:cNvSpPr>
+            <a:spLocks noGrp="1"/>
+          </p:cNvSpPr>
+          <p:nvPr>
+            <p:ph idx="1"/>
+          </p:nvPr>
+        </p:nvSpPr>
+        <p:spPr>
+          <a:xfrm>
+            <a:off x="838200" y="1825625"/>
+            <a:ext cx="10791092" cy="4351339"/>
+          </a:xfrm>
+          <a:noFill/>
+        </p:spPr>
+        <p:txBody>
+          <a:bodyPr>
+            <a:normAutofit/>
+          </a:bodyPr>
+          <a:lstStyle/>
+          <a:p>
+            <a:r>
+              <a:rPr lang="en-GB" dirty="0"/>
+              <a:t>Problem solving</a:t>
+            </a:r>
+          </a:p>
+          <a:p>
+            <a:pPr marL="0" indent="0">
+              <a:buNone/>
+            </a:pPr>
+            <a:endParaRPr lang="en-GB" dirty="0"/>
+          </a:p>
+          <a:p>
+            <a:pPr lvl="1"/>
+            <a:r>
+              <a:rPr lang="en-GB" dirty="0"/>
+              <a:t>Given a particular data stream, describe which method, evaluation mode, concept drift detector and metric you would use and why, listing the expected results</a:t>
+            </a:r>
+          </a:p>
+          <a:p>
+            <a:pPr lvl="1"/>
+            <a:r>
+              <a:rPr lang="en-GB" dirty="0"/>
+              <a:t>Given a particular data stream, describe which concept drift detector you would use and why, listing the expected results</a:t>
+            </a:r>
+          </a:p>
+          <a:p>
+            <a:pPr marL="0" indent="0">
+              <a:buNone/>
+            </a:pPr>
+            <a:endParaRPr lang="en-GB" dirty="0"/>
+          </a:p>
+        </p:txBody>
+      </p:sp>
+      <p:sp>
+        <p:nvSpPr>
+          <p:cNvPr id="7" name="Footer Placeholder 6">
+            <a:extLst>
+              <a:ext uri="{FF2B5EF4-FFF2-40B4-BE49-F238E27FC236}">
+                <a16:creationId xmlns:a16="http://schemas.microsoft.com/office/drawing/2014/main" id="{0C5A1F71-D77F-5049-B6DB-FD7CA69ED1CE}"/>
+              </a:ext>
+            </a:extLst>
+          </p:cNvPr>
+          <p:cNvSpPr>
+            <a:spLocks noGrp="1"/>
+          </p:cNvSpPr>
+          <p:nvPr>
+            <p:ph type="ftr" sz="quarter" idx="11"/>
+          </p:nvPr>
+        </p:nvSpPr>
+        <p:spPr/>
+        <p:txBody>
+          <a:bodyPr/>
+          <a:lstStyle/>
+          <a:p>
+            <a:r>
+              <a:rPr lang="en-US"/>
+              <a:t>Emanuele Della Valle - http://emanueledellavalle.org</a:t>
+            </a:r>
+          </a:p>
+        </p:txBody>
+      </p:sp>
+      <p:sp>
+        <p:nvSpPr>
+          <p:cNvPr id="8" name="Slide Number Placeholder 7">
+            <a:extLst>
+              <a:ext uri="{FF2B5EF4-FFF2-40B4-BE49-F238E27FC236}">
+                <a16:creationId xmlns:a16="http://schemas.microsoft.com/office/drawing/2014/main" id="{9316B443-3F82-BD42-92CF-B32FAD9B5193}"/>
+              </a:ext>
+            </a:extLst>
+          </p:cNvPr>
+          <p:cNvSpPr>
+            <a:spLocks noGrp="1"/>
+          </p:cNvSpPr>
+          <p:nvPr>
+            <p:ph type="sldNum" sz="quarter" idx="12"/>
+          </p:nvPr>
+        </p:nvSpPr>
+        <p:spPr/>
+        <p:txBody>
+          <a:bodyPr/>
+          <a:lstStyle/>
+          <a:p>
+            <a:fld id="{463394A2-5689-C845-95DB-27F089FB77B0}" type="slidenum">
+              <a:rPr lang="en-US" smtClean="0"/>
+              <a:t>10</a:t>
+            </a:fld>
+            <a:endParaRPr lang="en-US"/>
+          </a:p>
+        </p:txBody>
+      </p:sp>
+    </p:spTree>
+    <p:extLst>
+      <p:ext uri="{BB962C8B-B14F-4D97-AF65-F5344CB8AC3E}">
+        <p14:creationId xmlns:p14="http://schemas.microsoft.com/office/powerpoint/2010/main" val="2947216780"/>
+      </p:ext>
+    </p:extLst>
+  </p:cSld>
+  <p:clrMapOvr>
+    <a:masterClrMapping/>
+  </p:clrMapOvr>
+</p:sld>
+</file>
+
+<file path=ppt/slides/slide11.xml><?xml version="1.0" encoding="utf-8"?>
+<p:sld xmlns:a="http://schemas.openxmlformats.org/drawingml/2006/main" xmlns:r="http://schemas.openxmlformats.org/officeDocument/2006/relationships" xmlns:p="http://schemas.openxmlformats.org/presentationml/2006/main">
+  <p:cSld>
+    <p:spTree>
+      <p:nvGrpSpPr>
+        <p:cNvPr id="1" name=""/>
+        <p:cNvGrpSpPr/>
+        <p:nvPr/>
+      </p:nvGrpSpPr>
+      <p:grpSpPr>
+        <a:xfrm>
+          <a:off x="0" y="0"/>
+          <a:ext cx="0" cy="0"/>
+          <a:chOff x="0" y="0"/>
+          <a:chExt cx="0" cy="0"/>
+        </a:xfrm>
+      </p:grpSpPr>
+      <p:sp>
+        <p:nvSpPr>
+          <p:cNvPr id="9" name="Title 8">
+            <a:extLst>
+              <a:ext uri="{FF2B5EF4-FFF2-40B4-BE49-F238E27FC236}">
+                <a16:creationId xmlns:a16="http://schemas.microsoft.com/office/drawing/2014/main" id="{885E2613-CFFE-8746-BB6F-5FF859931508}"/>
+              </a:ext>
+            </a:extLst>
+          </p:cNvPr>
+          <p:cNvSpPr>
+            <a:spLocks noGrp="1"/>
+          </p:cNvSpPr>
+          <p:nvPr>
+            <p:ph type="title"/>
+          </p:nvPr>
+        </p:nvSpPr>
+        <p:spPr/>
+        <p:txBody>
+          <a:bodyPr>
+            <a:normAutofit/>
+          </a:bodyPr>
+          <a:lstStyle/>
+          <a:p>
+            <a:r>
+              <a:rPr lang="en-GB" b="1" dirty="0"/>
+              <a:t>Exercises</a:t>
+            </a:r>
+            <a:r>
+              <a:rPr lang="en-GB" dirty="0"/>
+              <a:t> on </a:t>
+            </a:r>
+            <a:r>
+              <a:rPr lang="en-GB" b="1" dirty="0"/>
+              <a:t>TSA</a:t>
+            </a:r>
+            <a:endParaRPr lang="it-IT" b="1" dirty="0"/>
+          </a:p>
+        </p:txBody>
+      </p:sp>
+      <p:sp>
+        <p:nvSpPr>
+          <p:cNvPr id="10" name="Content Placeholder 9">
+            <a:extLst>
+              <a:ext uri="{FF2B5EF4-FFF2-40B4-BE49-F238E27FC236}">
+                <a16:creationId xmlns:a16="http://schemas.microsoft.com/office/drawing/2014/main" id="{74517F86-4B29-7742-9D41-82F9D9CAC7B3}"/>
+              </a:ext>
+            </a:extLst>
+          </p:cNvPr>
+          <p:cNvSpPr>
+            <a:spLocks noGrp="1"/>
+          </p:cNvSpPr>
+          <p:nvPr>
+            <p:ph idx="1"/>
+          </p:nvPr>
+        </p:nvSpPr>
+        <p:spPr>
+          <a:xfrm>
+            <a:off x="838200" y="1825625"/>
+            <a:ext cx="10791092" cy="4351339"/>
+          </a:xfrm>
+          <a:noFill/>
+        </p:spPr>
+        <p:txBody>
+          <a:bodyPr>
+            <a:normAutofit/>
+          </a:bodyPr>
+          <a:lstStyle/>
+          <a:p>
+            <a:r>
+              <a:rPr lang="en-GB" dirty="0"/>
+              <a:t>Code-snippets fill-in &amp; comment</a:t>
+            </a:r>
+          </a:p>
+          <a:p>
+            <a:pPr marL="0" indent="0">
+              <a:buNone/>
+            </a:pPr>
+            <a:endParaRPr lang="en-GB" sz="2400" dirty="0"/>
+          </a:p>
+          <a:p>
+            <a:pPr marL="0" indent="0">
+              <a:buNone/>
+            </a:pPr>
+            <a:r>
+              <a:rPr lang="en-GB" sz="2200" dirty="0" err="1"/>
+              <a:t>mul_decomposition</a:t>
+            </a:r>
+            <a:r>
+              <a:rPr lang="en-GB" sz="2200" dirty="0"/>
+              <a:t> = </a:t>
+            </a:r>
+            <a:r>
+              <a:rPr lang="en-GB" sz="2200" dirty="0" err="1"/>
+              <a:t>sm.tsa.seasonal_decompose</a:t>
+            </a:r>
+            <a:r>
+              <a:rPr lang="en-GB" sz="2200" dirty="0"/>
+              <a:t>(……, ………)</a:t>
+            </a:r>
+          </a:p>
+          <a:p>
+            <a:pPr marL="0" indent="0">
+              <a:buNone/>
+            </a:pPr>
+            <a:r>
+              <a:rPr lang="en-GB" sz="2200" dirty="0"/>
+              <a:t>………………. # plot the multiplicative decomposition</a:t>
+            </a:r>
+          </a:p>
+          <a:p>
+            <a:pPr marL="0" indent="0">
+              <a:buNone/>
+            </a:pPr>
+            <a:endParaRPr lang="en-GB" sz="2200" dirty="0"/>
+          </a:p>
+          <a:p>
+            <a:pPr marL="0" indent="0">
+              <a:buNone/>
+            </a:pPr>
+            <a:r>
+              <a:rPr lang="en-GB" sz="2200" dirty="0" err="1"/>
+              <a:t>add_decomposition</a:t>
+            </a:r>
+            <a:r>
+              <a:rPr lang="en-GB" sz="2200" dirty="0"/>
+              <a:t> = </a:t>
+            </a:r>
+            <a:r>
+              <a:rPr lang="en-GB" sz="2200" dirty="0" err="1"/>
+              <a:t>sm.tsa.seasonal_decompose</a:t>
+            </a:r>
+            <a:r>
+              <a:rPr lang="en-GB" sz="2200" dirty="0"/>
+              <a:t>(……, ………)</a:t>
+            </a:r>
+          </a:p>
+          <a:p>
+            <a:pPr marL="0" indent="0">
+              <a:buNone/>
+            </a:pPr>
+            <a:r>
+              <a:rPr lang="en-GB" sz="2200" dirty="0"/>
+              <a:t>………………. # plot the additive decomposition</a:t>
+            </a:r>
+          </a:p>
+          <a:p>
+            <a:pPr marL="0" indent="0">
+              <a:buNone/>
+            </a:pPr>
+            <a:endParaRPr lang="en-GB" sz="2000" dirty="0"/>
+          </a:p>
+          <a:p>
+            <a:pPr marL="0" indent="0">
+              <a:buNone/>
+            </a:pPr>
+            <a:r>
+              <a:rPr lang="it-IT" dirty="0">
+                <a:cs typeface="Calibri"/>
+              </a:rPr>
+              <a:t>For</a:t>
+            </a:r>
+            <a:r>
+              <a:rPr lang="it-IT" spc="-5" dirty="0">
+                <a:cs typeface="Calibri"/>
+              </a:rPr>
+              <a:t> </a:t>
+            </a:r>
+            <a:r>
+              <a:rPr lang="it-IT" dirty="0">
+                <a:cs typeface="Calibri"/>
+              </a:rPr>
+              <a:t>the</a:t>
+            </a:r>
+            <a:r>
+              <a:rPr lang="it-IT" spc="20" dirty="0">
+                <a:cs typeface="Calibri"/>
+              </a:rPr>
+              <a:t> </a:t>
+            </a:r>
+            <a:r>
+              <a:rPr lang="it-IT" dirty="0">
+                <a:cs typeface="Calibri"/>
+              </a:rPr>
+              <a:t>solution</a:t>
+            </a:r>
+            <a:r>
+              <a:rPr lang="it-IT" spc="5" dirty="0">
+                <a:cs typeface="Calibri"/>
+              </a:rPr>
+              <a:t> </a:t>
+            </a:r>
+            <a:r>
+              <a:rPr lang="it-IT" dirty="0" err="1">
+                <a:cs typeface="Calibri"/>
+              </a:rPr>
+              <a:t>see</a:t>
+            </a:r>
+            <a:r>
+              <a:rPr lang="it-IT" dirty="0">
+                <a:cs typeface="Calibri"/>
+              </a:rPr>
+              <a:t> TSA_02_Decomposition.ipynb</a:t>
+            </a:r>
+          </a:p>
+        </p:txBody>
+      </p:sp>
+      <p:sp>
+        <p:nvSpPr>
+          <p:cNvPr id="7" name="Footer Placeholder 6">
+            <a:extLst>
+              <a:ext uri="{FF2B5EF4-FFF2-40B4-BE49-F238E27FC236}">
+                <a16:creationId xmlns:a16="http://schemas.microsoft.com/office/drawing/2014/main" id="{0C5A1F71-D77F-5049-B6DB-FD7CA69ED1CE}"/>
+              </a:ext>
+            </a:extLst>
+          </p:cNvPr>
+          <p:cNvSpPr>
+            <a:spLocks noGrp="1"/>
+          </p:cNvSpPr>
+          <p:nvPr>
+            <p:ph type="ftr" sz="quarter" idx="11"/>
+          </p:nvPr>
+        </p:nvSpPr>
+        <p:spPr/>
+        <p:txBody>
+          <a:bodyPr/>
+          <a:lstStyle/>
+          <a:p>
+            <a:r>
+              <a:rPr lang="en-US"/>
+              <a:t>Emanuele Della Valle - http://emanueledellavalle.org</a:t>
+            </a:r>
+          </a:p>
+        </p:txBody>
+      </p:sp>
+      <p:sp>
+        <p:nvSpPr>
+          <p:cNvPr id="8" name="Slide Number Placeholder 7">
+            <a:extLst>
+              <a:ext uri="{FF2B5EF4-FFF2-40B4-BE49-F238E27FC236}">
+                <a16:creationId xmlns:a16="http://schemas.microsoft.com/office/drawing/2014/main" id="{9316B443-3F82-BD42-92CF-B32FAD9B5193}"/>
+              </a:ext>
+            </a:extLst>
+          </p:cNvPr>
+          <p:cNvSpPr>
+            <a:spLocks noGrp="1"/>
+          </p:cNvSpPr>
+          <p:nvPr>
+            <p:ph type="sldNum" sz="quarter" idx="12"/>
+          </p:nvPr>
+        </p:nvSpPr>
+        <p:spPr/>
+        <p:txBody>
+          <a:bodyPr/>
+          <a:lstStyle/>
+          <a:p>
+            <a:fld id="{463394A2-5689-C845-95DB-27F089FB77B0}" type="slidenum">
+              <a:rPr lang="en-US" smtClean="0"/>
+              <a:t>11</a:t>
+            </a:fld>
+            <a:endParaRPr lang="en-US"/>
+          </a:p>
+        </p:txBody>
+      </p:sp>
+    </p:spTree>
+    <p:extLst>
+      <p:ext uri="{BB962C8B-B14F-4D97-AF65-F5344CB8AC3E}">
+        <p14:creationId xmlns:p14="http://schemas.microsoft.com/office/powerpoint/2010/main" val="3965805136"/>
+      </p:ext>
+    </p:extLst>
+  </p:cSld>
+  <p:clrMapOvr>
+    <a:masterClrMapping/>
+  </p:clrMapOvr>
+</p:sld>
+</file>
+
+<file path=ppt/slides/slide12.xml><?xml version="1.0" encoding="utf-8"?>
+<p:sld xmlns:a="http://schemas.openxmlformats.org/drawingml/2006/main" xmlns:r="http://schemas.openxmlformats.org/officeDocument/2006/relationships" xmlns:p="http://schemas.openxmlformats.org/presentationml/2006/main">
+  <p:cSld>
+    <p:spTree>
+      <p:nvGrpSpPr>
+        <p:cNvPr id="1" name=""/>
+        <p:cNvGrpSpPr/>
+        <p:nvPr/>
+      </p:nvGrpSpPr>
+      <p:grpSpPr>
+        <a:xfrm>
+          <a:off x="0" y="0"/>
+          <a:ext cx="0" cy="0"/>
+          <a:chOff x="0" y="0"/>
+          <a:chExt cx="0" cy="0"/>
+        </a:xfrm>
+      </p:grpSpPr>
+      <p:sp>
+        <p:nvSpPr>
+          <p:cNvPr id="9" name="Title 8">
+            <a:extLst>
+              <a:ext uri="{FF2B5EF4-FFF2-40B4-BE49-F238E27FC236}">
+                <a16:creationId xmlns:a16="http://schemas.microsoft.com/office/drawing/2014/main" id="{885E2613-CFFE-8746-BB6F-5FF859931508}"/>
+              </a:ext>
+            </a:extLst>
+          </p:cNvPr>
+          <p:cNvSpPr>
+            <a:spLocks noGrp="1"/>
+          </p:cNvSpPr>
+          <p:nvPr>
+            <p:ph type="title"/>
+          </p:nvPr>
+        </p:nvSpPr>
+        <p:spPr/>
+        <p:txBody>
+          <a:bodyPr>
+            <a:normAutofit/>
+          </a:bodyPr>
+          <a:lstStyle/>
+          <a:p>
+            <a:r>
+              <a:rPr lang="en-GB" b="1" dirty="0"/>
+              <a:t>Exercises</a:t>
+            </a:r>
+            <a:r>
+              <a:rPr lang="en-GB" dirty="0"/>
+              <a:t> on </a:t>
+            </a:r>
+            <a:r>
+              <a:rPr lang="en-GB" b="1" dirty="0"/>
+              <a:t>TSA</a:t>
+            </a:r>
+            <a:endParaRPr lang="it-IT" b="1" dirty="0"/>
+          </a:p>
+        </p:txBody>
+      </p:sp>
+      <p:sp>
+        <p:nvSpPr>
+          <p:cNvPr id="7" name="Footer Placeholder 6">
+            <a:extLst>
+              <a:ext uri="{FF2B5EF4-FFF2-40B4-BE49-F238E27FC236}">
+                <a16:creationId xmlns:a16="http://schemas.microsoft.com/office/drawing/2014/main" id="{0C5A1F71-D77F-5049-B6DB-FD7CA69ED1CE}"/>
+              </a:ext>
+            </a:extLst>
+          </p:cNvPr>
+          <p:cNvSpPr>
+            <a:spLocks noGrp="1"/>
+          </p:cNvSpPr>
+          <p:nvPr>
+            <p:ph type="ftr" sz="quarter" idx="11"/>
+          </p:nvPr>
+        </p:nvSpPr>
+        <p:spPr/>
+        <p:txBody>
+          <a:bodyPr/>
+          <a:lstStyle/>
+          <a:p>
+            <a:r>
+              <a:rPr lang="en-US"/>
+              <a:t>Emanuele Della Valle - http://emanueledellavalle.org</a:t>
+            </a:r>
+          </a:p>
+        </p:txBody>
+      </p:sp>
+      <p:sp>
+        <p:nvSpPr>
+          <p:cNvPr id="8" name="Slide Number Placeholder 7">
+            <a:extLst>
+              <a:ext uri="{FF2B5EF4-FFF2-40B4-BE49-F238E27FC236}">
+                <a16:creationId xmlns:a16="http://schemas.microsoft.com/office/drawing/2014/main" id="{9316B443-3F82-BD42-92CF-B32FAD9B5193}"/>
+              </a:ext>
+            </a:extLst>
+          </p:cNvPr>
+          <p:cNvSpPr>
+            <a:spLocks noGrp="1"/>
+          </p:cNvSpPr>
+          <p:nvPr>
+            <p:ph type="sldNum" sz="quarter" idx="12"/>
+          </p:nvPr>
+        </p:nvSpPr>
+        <p:spPr/>
+        <p:txBody>
+          <a:bodyPr/>
+          <a:lstStyle/>
+          <a:p>
+            <a:fld id="{463394A2-5689-C845-95DB-27F089FB77B0}" type="slidenum">
+              <a:rPr lang="en-US" smtClean="0"/>
+              <a:t>12</a:t>
+            </a:fld>
+            <a:endParaRPr lang="en-US"/>
+          </a:p>
+        </p:txBody>
+      </p:sp>
+      <p:sp>
+        <p:nvSpPr>
+          <p:cNvPr id="2" name="Content Placeholder 9">
+            <a:extLst>
+              <a:ext uri="{FF2B5EF4-FFF2-40B4-BE49-F238E27FC236}">
+                <a16:creationId xmlns:a16="http://schemas.microsoft.com/office/drawing/2014/main" id="{55645E1E-3978-DF03-62D4-FA1933095CFD}"/>
+              </a:ext>
+            </a:extLst>
+          </p:cNvPr>
+          <p:cNvSpPr>
+            <a:spLocks noGrp="1"/>
+          </p:cNvSpPr>
+          <p:nvPr>
+            <p:ph idx="1"/>
+          </p:nvPr>
+        </p:nvSpPr>
+        <p:spPr>
+          <a:xfrm>
+            <a:off x="838200" y="1580328"/>
+            <a:ext cx="10891345" cy="4665664"/>
+          </a:xfrm>
+          <a:noFill/>
+        </p:spPr>
+        <p:txBody>
+          <a:bodyPr>
+            <a:normAutofit fontScale="92500" lnSpcReduction="10000"/>
+          </a:bodyPr>
+          <a:lstStyle/>
+          <a:p>
+            <a:r>
+              <a:rPr lang="en-GB" dirty="0"/>
+              <a:t>Problem solving</a:t>
+            </a:r>
+          </a:p>
+          <a:p>
+            <a:pPr marL="0" indent="0">
+              <a:buNone/>
+            </a:pPr>
+            <a:endParaRPr lang="en-GB" dirty="0"/>
+          </a:p>
+          <a:p>
+            <a:pPr lvl="1"/>
+            <a:r>
+              <a:rPr lang="en-GB" dirty="0"/>
+              <a:t>Given the following time series, describe which algorithms you would use and why, listing the expected results</a:t>
+            </a:r>
+          </a:p>
+          <a:p>
+            <a:pPr lvl="1"/>
+            <a:endParaRPr lang="en-GB" dirty="0"/>
+          </a:p>
+          <a:p>
+            <a:pPr lvl="1"/>
+            <a:endParaRPr lang="en-GB" dirty="0"/>
+          </a:p>
+          <a:p>
+            <a:pPr lvl="1"/>
+            <a:endParaRPr lang="en-GB" dirty="0"/>
+          </a:p>
+          <a:p>
+            <a:pPr lvl="1"/>
+            <a:endParaRPr lang="en-GB" dirty="0"/>
+          </a:p>
+          <a:p>
+            <a:pPr lvl="1"/>
+            <a:endParaRPr lang="en-GB" dirty="0"/>
+          </a:p>
+          <a:p>
+            <a:pPr lvl="1"/>
+            <a:endParaRPr lang="en-GB" dirty="0"/>
+          </a:p>
+          <a:p>
+            <a:pPr lvl="1"/>
+            <a:endParaRPr lang="en-GB" dirty="0"/>
+          </a:p>
+          <a:p>
+            <a:pPr lvl="1"/>
+            <a:r>
+              <a:rPr lang="en-GB" dirty="0"/>
+              <a:t>Given specific outputs from ACF and PACF plots, describe which order you would use for a SARIMA model, and what conclusion you would come to with the model diagnostic</a:t>
+            </a:r>
+          </a:p>
+        </p:txBody>
+      </p:sp>
+      <p:pic>
+        <p:nvPicPr>
+          <p:cNvPr id="1026" name="Picture 2">
+            <a:extLst>
+              <a:ext uri="{FF2B5EF4-FFF2-40B4-BE49-F238E27FC236}">
+                <a16:creationId xmlns:a16="http://schemas.microsoft.com/office/drawing/2014/main" id="{7060E517-C15D-F9FE-C9B8-5BF0642CF23D}"/>
+              </a:ext>
+            </a:extLst>
+          </p:cNvPr>
+          <p:cNvPicPr>
+            <a:picLocks noChangeAspect="1" noChangeArrowheads="1"/>
+          </p:cNvPicPr>
+          <p:nvPr/>
+        </p:nvPicPr>
+        <p:blipFill>
+          <a:blip r:embed="rId3">
+            <a:extLst>
+              <a:ext uri="{28A0092B-C50C-407E-A947-70E740481C1C}">
+                <a14:useLocalDpi xmlns:a14="http://schemas.microsoft.com/office/drawing/2010/main" val="0"/>
+              </a:ext>
+            </a:extLst>
+          </a:blip>
+          <a:srcRect/>
+          <a:stretch>
+            <a:fillRect/>
+          </a:stretch>
+        </p:blipFill>
+        <p:spPr bwMode="auto">
+          <a:xfrm>
+            <a:off x="4579554" y="3032567"/>
+            <a:ext cx="3032891" cy="2118980"/>
+          </a:xfrm>
+          <a:prstGeom prst="rect">
+            <a:avLst/>
+          </a:prstGeom>
+          <a:noFill/>
+          <a:extLst>
+            <a:ext uri="{909E8E84-426E-40DD-AFC4-6F175D3DCCD1}">
+              <a14:hiddenFill xmlns:a14="http://schemas.microsoft.com/office/drawing/2010/main">
+                <a:solidFill>
+                  <a:srgbClr val="FFFFFF"/>
+                </a:solidFill>
+              </a14:hiddenFill>
+            </a:ext>
+          </a:extLst>
+        </p:spPr>
+      </p:pic>
+    </p:spTree>
+    <p:extLst>
+      <p:ext uri="{BB962C8B-B14F-4D97-AF65-F5344CB8AC3E}">
+        <p14:creationId xmlns:p14="http://schemas.microsoft.com/office/powerpoint/2010/main" val="3410039972"/>
+      </p:ext>
+    </p:extLst>
+  </p:cSld>
+  <p:clrMapOvr>
+    <a:masterClrMapping/>
+  </p:clrMapOvr>
+</p:sld>
+</file>
+
+<file path=ppt/slides/slide13.xml><?xml version="1.0" encoding="utf-8"?>
+<p:sld xmlns:a="http://schemas.openxmlformats.org/drawingml/2006/main" xmlns:r="http://schemas.openxmlformats.org/officeDocument/2006/relationships" xmlns:p="http://schemas.openxmlformats.org/presentationml/2006/main">
+  <p:cSld>
+    <p:spTree>
+      <p:nvGrpSpPr>
+        <p:cNvPr id="1" name=""/>
+        <p:cNvGrpSpPr/>
+        <p:nvPr/>
+      </p:nvGrpSpPr>
+      <p:grpSpPr>
+        <a:xfrm>
+          <a:off x="0" y="0"/>
+          <a:ext cx="0" cy="0"/>
+          <a:chOff x="0" y="0"/>
+          <a:chExt cx="0" cy="0"/>
+        </a:xfrm>
+      </p:grpSpPr>
+      <p:sp>
+        <p:nvSpPr>
           <p:cNvPr id="2" name="Subtitle 1">
             <a:extLst>
               <a:ext uri="{FF2B5EF4-FFF2-40B4-BE49-F238E27FC236}">
@@ -6027,13 +6917,11 @@
             <a:off x="838200" y="1825625"/>
             <a:ext cx="10791092" cy="4351339"/>
           </a:xfrm>
-          <a:solidFill>
-            <a:srgbClr val="FFFF00"/>
-          </a:solidFill>
+          <a:noFill/>
         </p:spPr>
         <p:txBody>
           <a:bodyPr>
-            <a:normAutofit fontScale="92500" lnSpcReduction="20000"/>
+            <a:normAutofit fontScale="92500" lnSpcReduction="10000"/>
           </a:bodyPr>
           <a:lstStyle/>
           <a:p>
@@ -6085,17 +6973,6 @@
             <a:r>
               <a:rPr lang="en-GB" b="1" dirty="0"/>
               <a:t>Exercises</a:t>
-            </a:r>
-          </a:p>
-          <a:p>
-            <a:pPr lvl="1"/>
-            <a:r>
-              <a:rPr lang="en-GB" dirty="0">
-                <a:solidFill>
-                  <a:srgbClr val="FF0000"/>
-                </a:solidFill>
-              </a:rPr>
-              <a:t>TBC</a:t>
             </a:r>
           </a:p>
           <a:p>
@@ -6828,29 +7705,13 @@
             <a:off x="838200" y="1825625"/>
             <a:ext cx="10791092" cy="4351339"/>
           </a:xfrm>
-          <a:solidFill>
-            <a:srgbClr val="FFFF00"/>
-          </a:solidFill>
+          <a:noFill/>
         </p:spPr>
         <p:txBody>
           <a:bodyPr>
-            <a:normAutofit fontScale="92500"/>
+            <a:normAutofit/>
           </a:bodyPr>
           <a:lstStyle/>
-          <a:p>
-            <a:r>
-              <a:rPr lang="en-GB" dirty="0"/>
-              <a:t>Which are the typical conceptual components of a time series in </a:t>
-            </a:r>
-            <a:r>
-              <a:rPr lang="en-GB" dirty="0" err="1"/>
-              <a:t>InfluxDB</a:t>
-            </a:r>
-            <a:r>
-              <a:rPr lang="en-GB" dirty="0"/>
-              <a:t>? Illustrate it using a line chart and the line protocol</a:t>
-            </a:r>
-          </a:p>
           <a:p>
             <a:r>
               <a:rPr lang="en-GB" dirty="0"/>
@@ -7052,59 +7913,75 @@
         </p:nvSpPr>
         <p:spPr>
           <a:xfrm>
-            <a:off x="838200" y="1825625"/>
-            <a:ext cx="10791092" cy="4351339"/>
+            <a:off x="838199" y="1627626"/>
+            <a:ext cx="10791092" cy="4665663"/>
           </a:xfrm>
-          <a:solidFill>
-            <a:srgbClr val="FFFF00"/>
-          </a:solidFill>
+          <a:noFill/>
         </p:spPr>
         <p:txBody>
           <a:bodyPr>
-            <a:normAutofit/>
+            <a:normAutofit fontScale="92500"/>
           </a:bodyPr>
           <a:lstStyle/>
           <a:p>
             <a:r>
-              <a:rPr lang="en-GB" dirty="0"/>
+              <a:rPr lang="en-GB" sz="2600" dirty="0"/>
+              <a:t>Which characteristics can a non-stationary time series have?</a:t>
+            </a:r>
+          </a:p>
+          <a:p>
+            <a:r>
+              <a:rPr lang="en-GB" sz="2600" dirty="0"/>
+              <a:t>Discuss why the white noise is the perfect time series.</a:t>
+            </a:r>
+          </a:p>
+          <a:p>
+            <a:r>
+              <a:rPr lang="en-GB" sz="2600" dirty="0"/>
+              <a:t>Which are the methods to test for stationarity? Explain one of them in details</a:t>
+            </a:r>
+          </a:p>
+          <a:p>
+            <a:r>
+              <a:rPr lang="en-GB" sz="2600" dirty="0"/>
               <a:t>Which are the typical time series components? Illustrate your explanation with an example</a:t>
             </a:r>
           </a:p>
           <a:p>
             <a:r>
-              <a:rPr lang="en-GB" dirty="0"/>
+              <a:rPr lang="en-GB" sz="2600" dirty="0"/>
               <a:t>Which are the methods to detrend a time-series? Explain one of them in details</a:t>
             </a:r>
           </a:p>
           <a:p>
             <a:r>
-              <a:rPr lang="en-GB" dirty="0"/>
+              <a:rPr lang="en-GB" sz="2600" dirty="0"/>
               <a:t>Which are the methods to identify seasonality in a time-series? Explain one of them in details</a:t>
             </a:r>
           </a:p>
           <a:p>
             <a:r>
-              <a:rPr lang="en-GB" dirty="0"/>
-              <a:t>Which are the methods to forecast a time series? Compare and contract two methods of your choice (excluding the basic ones)</a:t>
-            </a:r>
-          </a:p>
-          <a:p>
-            <a:r>
-              <a:rPr lang="en-GB" dirty="0"/>
-              <a:t>Which are the parts of a SARMI model? </a:t>
-            </a:r>
-          </a:p>
-          <a:p>
-            <a:endParaRPr lang="en-GB" dirty="0"/>
+              <a:rPr lang="en-GB" sz="2600" dirty="0"/>
+              <a:t>Which are the methods to forecast a time series? Compare two methods of your choice (excluding the basic ones)</a:t>
+            </a:r>
+          </a:p>
+          <a:p>
+            <a:r>
+              <a:rPr lang="en-GB" sz="2600" dirty="0"/>
+              <a:t>Which are the components of a SARIMA model?</a:t>
+            </a:r>
+          </a:p>
+          <a:p>
+            <a:endParaRPr lang="en-GB" sz="2600" dirty="0"/>
           </a:p>
           <a:p>
             <a:pPr marL="0" indent="0">
               <a:buNone/>
             </a:pPr>
-            <a:endParaRPr lang="en-GB" dirty="0"/>
-          </a:p>
-          <a:p>
-            <a:endParaRPr lang="en-GB" dirty="0"/>
+            <a:endParaRPr lang="en-GB" sz="2600" dirty="0"/>
+          </a:p>
+          <a:p>
+            <a:endParaRPr lang="en-GB" sz="2600" dirty="0"/>
           </a:p>
         </p:txBody>
       </p:sp>
@@ -7213,8 +8090,8 @@
         </p:nvSpPr>
         <p:spPr>
           <a:xfrm>
-            <a:off x="838200" y="365125"/>
-            <a:ext cx="10995212" cy="1325563"/>
+            <a:off x="838199" y="365125"/>
+            <a:ext cx="11353801" cy="1325563"/>
           </a:xfrm>
         </p:spPr>
         <p:txBody>
@@ -7232,8 +8109,8 @@
               <a:t> to test the </a:t>
             </a:r>
             <a:r>
-              <a:rPr lang="en-GB" b="1" dirty="0"/>
-              <a:t>depth</a:t>
+              <a:rPr lang="it-IT" b="1" dirty="0" err="1"/>
+              <a:t>breadth</a:t>
             </a:r>
             <a:r>
               <a:rPr lang="it-IT" dirty="0"/>
@@ -7245,13 +8122,8 @@
             </a:r>
             <a:r>
               <a:rPr lang="it-IT" dirty="0"/>
-              <a:t> </a:t>
-            </a:r>
-            <a:r>
-              <a:rPr lang="it-IT" dirty="0" err="1"/>
-              <a:t>knowledge</a:t>
-            </a:r>
-            <a:endParaRPr lang="it-IT" dirty="0"/>
+              <a:t> knowledge</a:t>
+            </a:r>
           </a:p>
         </p:txBody>
       </p:sp>
@@ -7276,9 +8148,7 @@
             <a:off x="838200" y="1825625"/>
             <a:ext cx="10791092" cy="4351339"/>
           </a:xfrm>
-          <a:solidFill>
-            <a:srgbClr val="FFFF00"/>
-          </a:solidFill>
+          <a:noFill/>
         </p:spPr>
         <p:txBody>
           <a:bodyPr>
@@ -7288,66 +8158,40 @@
           <a:p>
             <a:r>
               <a:rPr lang="en-GB" dirty="0"/>
-              <a:t>What is a concept drift detector? Illustrate how one of them works.</a:t>
+              <a:t>Describe the main differences between Streaming Machine Learning and Continual Learning paradigms.</a:t>
             </a:r>
           </a:p>
           <a:p>
             <a:r>
               <a:rPr lang="en-GB" dirty="0"/>
-              <a:t>How does ADWIN detect a concept drift?</a:t>
+              <a:t>Which are the main Continual Learning strategies to avoid catastrophic forgetting?</a:t>
             </a:r>
           </a:p>
           <a:p>
             <a:r>
               <a:rPr lang="en-GB" dirty="0"/>
-              <a:t>How does the SML version of KNN work?</a:t>
-            </a:r>
-          </a:p>
-          <a:p>
-            <a:r>
-              <a:rPr lang="en-US" dirty="0">
-                <a:latin typeface="Calibri" panose="020F0502020204030204" pitchFamily="34" charset="0"/>
-                <a:cs typeface="Calibri" panose="020F0502020204030204" pitchFamily="34" charset="0"/>
-              </a:rPr>
-              <a:t>Why is </a:t>
-            </a:r>
-            <a:r>
-              <a:rPr lang="en-US" dirty="0" err="1">
-                <a:latin typeface="Calibri" panose="020F0502020204030204" pitchFamily="34" charset="0"/>
-                <a:cs typeface="Calibri" panose="020F0502020204030204" pitchFamily="34" charset="0"/>
-              </a:rPr>
-              <a:t>Hoeffding</a:t>
-            </a:r>
-            <a:r>
-              <a:rPr lang="en-US" dirty="0">
-                <a:latin typeface="Calibri" panose="020F0502020204030204" pitchFamily="34" charset="0"/>
-                <a:cs typeface="Calibri" panose="020F0502020204030204" pitchFamily="34" charset="0"/>
-              </a:rPr>
-              <a:t> Bound used in SML to build a decision tree?</a:t>
-            </a:r>
-          </a:p>
-          <a:p>
-            <a:r>
-              <a:rPr lang="en-US" dirty="0">
-                <a:latin typeface="Calibri" panose="020F0502020204030204" pitchFamily="34" charset="0"/>
-                <a:cs typeface="Calibri" panose="020F0502020204030204" pitchFamily="34" charset="0"/>
-              </a:rPr>
-              <a:t>What’s the difference between an additive and a multiplicative model for time series decomposition? </a:t>
-            </a:r>
-          </a:p>
-          <a:p>
-            <a:r>
-              <a:rPr lang="en-US" dirty="0">
-                <a:latin typeface="Calibri" panose="020F0502020204030204" pitchFamily="34" charset="0"/>
-                <a:cs typeface="Calibri" panose="020F0502020204030204" pitchFamily="34" charset="0"/>
-              </a:rPr>
-              <a:t>Given a line chart that illustrate a time series, tell if it is stationary and why</a:t>
+              <a:t>Which are the main evaluation metrics used in Continual Learning?</a:t>
+            </a:r>
+          </a:p>
+          <a:p>
+            <a:r>
+              <a:rPr lang="en-GB" dirty="0"/>
+              <a:t>Discuss the stability-plasticity dilemma.</a:t>
+            </a:r>
+          </a:p>
+          <a:p>
+            <a:r>
+              <a:rPr lang="en-GB" dirty="0"/>
+              <a:t>Discuss the catastrophic forgetting problem.</a:t>
             </a:r>
           </a:p>
           <a:p>
             <a:endParaRPr lang="en-GB" dirty="0"/>
           </a:p>
           <a:p>
+            <a:pPr marL="0" indent="0">
+              <a:buNone/>
+            </a:pPr>
             <a:endParaRPr lang="en-GB" dirty="0"/>
           </a:p>
           <a:p>
@@ -7415,7 +8259,7 @@
     </p:spTree>
     <p:extLst>
       <p:ext uri="{BB962C8B-B14F-4D97-AF65-F5344CB8AC3E}">
-        <p14:creationId xmlns:p14="http://schemas.microsoft.com/office/powerpoint/2010/main" val="356033668"/>
+        <p14:creationId xmlns:p14="http://schemas.microsoft.com/office/powerpoint/2010/main" val="2604191554"/>
       </p:ext>
     </p:extLst>
   </p:cSld>
@@ -7461,7 +8305,7 @@
         <p:spPr>
           <a:xfrm>
             <a:off x="838200" y="365125"/>
-            <a:ext cx="11102788" cy="1325563"/>
+            <a:ext cx="10995212" cy="1325563"/>
           </a:xfrm>
         </p:spPr>
         <p:txBody>
@@ -7529,50 +8373,79 @@
         </p:spPr>
         <p:txBody>
           <a:bodyPr>
-            <a:normAutofit fontScale="92500" lnSpcReduction="10000"/>
+            <a:normAutofit lnSpcReduction="10000"/>
           </a:bodyPr>
           <a:lstStyle/>
           <a:p>
             <a:r>
               <a:rPr lang="en-GB" dirty="0"/>
-              <a:t>Why is exponential smoothing named in this way?</a:t>
+              <a:t>What is a concept drift detector? Illustrate how one of them works.</a:t>
             </a:r>
           </a:p>
           <a:p>
             <a:r>
               <a:rPr lang="en-GB" dirty="0"/>
-              <a:t>What’s the difference between simple, double and triple exponential smoothing?</a:t>
+              <a:t>How does ADWIN detect a concept drift?</a:t>
             </a:r>
           </a:p>
           <a:p>
             <a:r>
               <a:rPr lang="en-GB" dirty="0"/>
-              <a:t>What’s the difference between the meaning of moving average in time series decomposition and in ARMA models?</a:t>
-            </a:r>
-          </a:p>
-          <a:p>
-            <a:r>
-              <a:rPr lang="en-GB" dirty="0"/>
-              <a:t>What’s the definition of Autocorrelation? How does it differ from the definition of correlation?</a:t>
-            </a:r>
-          </a:p>
-          <a:p>
-            <a:r>
-              <a:rPr lang="en-GB" dirty="0"/>
-              <a:t>Given an Autocorrelation function plot, tell what you read.</a:t>
-            </a:r>
-          </a:p>
-          <a:p>
-            <a:r>
-              <a:rPr lang="en-GB" dirty="0"/>
-              <a:t>What’s the difference between the AR and the MA part of an ARMA model?</a:t>
-            </a:r>
-          </a:p>
-          <a:p>
-            <a:r>
-              <a:rPr lang="en-GB" dirty="0"/>
-              <a:t>Describe the Box-Jenkins Methodology for ARIMA models</a:t>
-            </a:r>
+              <a:t>How does the SML version of KNN work?</a:t>
+            </a:r>
+          </a:p>
+          <a:p>
+            <a:r>
+              <a:rPr lang="en-US" dirty="0">
+                <a:latin typeface="Calibri" panose="020F0502020204030204" pitchFamily="34" charset="0"/>
+                <a:cs typeface="Calibri" panose="020F0502020204030204" pitchFamily="34" charset="0"/>
+              </a:rPr>
+              <a:t>Why is </a:t>
+            </a:r>
+            <a:r>
+              <a:rPr lang="en-US" dirty="0" err="1">
+                <a:latin typeface="Calibri" panose="020F0502020204030204" pitchFamily="34" charset="0"/>
+                <a:cs typeface="Calibri" panose="020F0502020204030204" pitchFamily="34" charset="0"/>
+              </a:rPr>
+              <a:t>Hoeffding</a:t>
+            </a:r>
+            <a:r>
+              <a:rPr lang="en-US" dirty="0">
+                <a:latin typeface="Calibri" panose="020F0502020204030204" pitchFamily="34" charset="0"/>
+                <a:cs typeface="Calibri" panose="020F0502020204030204" pitchFamily="34" charset="0"/>
+              </a:rPr>
+              <a:t> Bound used in SML to build a decision tree?</a:t>
+            </a:r>
+          </a:p>
+          <a:p>
+            <a:r>
+              <a:rPr lang="en-US" dirty="0">
+                <a:latin typeface="Calibri" panose="020F0502020204030204" pitchFamily="34" charset="0"/>
+                <a:cs typeface="Calibri" panose="020F0502020204030204" pitchFamily="34" charset="0"/>
+              </a:rPr>
+              <a:t>What’s the difference between an additive and a multiplicative model for time series decomposition? </a:t>
+            </a:r>
+          </a:p>
+          <a:p>
+            <a:r>
+              <a:rPr lang="en-US" dirty="0">
+                <a:latin typeface="Calibri" panose="020F0502020204030204" pitchFamily="34" charset="0"/>
+                <a:cs typeface="Calibri" panose="020F0502020204030204" pitchFamily="34" charset="0"/>
+              </a:rPr>
+              <a:t>Given the plot from the additive and the multiplicative decomposition, tell which decomposition suits better and why</a:t>
+            </a:r>
+          </a:p>
+          <a:p>
+            <a:r>
+              <a:rPr lang="en-US" dirty="0">
+                <a:latin typeface="Calibri" panose="020F0502020204030204" pitchFamily="34" charset="0"/>
+                <a:cs typeface="Calibri" panose="020F0502020204030204" pitchFamily="34" charset="0"/>
+              </a:rPr>
+              <a:t>Given a line chart that illustrate a time series, tell if it is stationary and why</a:t>
+            </a:r>
+          </a:p>
+          <a:p>
+            <a:endParaRPr lang="en-GB" dirty="0"/>
           </a:p>
           <a:p>
             <a:endParaRPr lang="en-GB" dirty="0"/>
@@ -7642,7 +8515,7 @@
     </p:spTree>
     <p:extLst>
       <p:ext uri="{BB962C8B-B14F-4D97-AF65-F5344CB8AC3E}">
-        <p14:creationId xmlns:p14="http://schemas.microsoft.com/office/powerpoint/2010/main" val="4041868519"/>
+        <p14:creationId xmlns:p14="http://schemas.microsoft.com/office/powerpoint/2010/main" val="356033668"/>
       </p:ext>
     </p:extLst>
   </p:cSld>
@@ -7685,7 +8558,12 @@
             <p:ph type="title"/>
           </p:nvPr>
         </p:nvSpPr>
-        <p:spPr/>
+        <p:spPr>
+          <a:xfrm>
+            <a:off x="838200" y="365125"/>
+            <a:ext cx="11102788" cy="1325563"/>
+          </a:xfrm>
+        </p:spPr>
         <p:txBody>
           <a:bodyPr>
             <a:normAutofit/>
@@ -7693,18 +8571,34 @@
           <a:lstStyle/>
           <a:p>
             <a:r>
+              <a:rPr lang="it-IT" b="1" dirty="0" err="1"/>
+              <a:t>Questions</a:t>
+            </a:r>
+            <a:r>
+              <a:rPr lang="it-IT" dirty="0"/>
+              <a:t> to test the </a:t>
+            </a:r>
+            <a:r>
               <a:rPr lang="en-GB" b="1" dirty="0"/>
-              <a:t>Exercises</a:t>
-            </a:r>
-            <a:r>
-              <a:rPr lang="en-GB" dirty="0"/>
-              <a:t> on </a:t>
-            </a:r>
-            <a:r>
-              <a:rPr lang="en-GB" b="1" dirty="0"/>
-              <a:t>SML</a:t>
-            </a:r>
-            <a:endParaRPr lang="it-IT" b="1" dirty="0"/>
+              <a:t>depth</a:t>
+            </a:r>
+            <a:r>
+              <a:rPr lang="it-IT" dirty="0"/>
+              <a:t> of </a:t>
+            </a:r>
+            <a:r>
+              <a:rPr lang="it-IT" dirty="0" err="1"/>
+              <a:t>your</a:t>
+            </a:r>
+            <a:r>
+              <a:rPr lang="it-IT" dirty="0"/>
+              <a:t> </a:t>
+            </a:r>
+            <a:r>
+              <a:rPr lang="it-IT" dirty="0" err="1"/>
+              <a:t>knowledge</a:t>
+            </a:r>
+            <a:endParaRPr lang="it-IT" dirty="0"/>
           </a:p>
         </p:txBody>
       </p:sp>
@@ -7726,169 +8620,63 @@
         </p:nvSpPr>
         <p:spPr>
           <a:xfrm>
-            <a:off x="838200" y="1825625"/>
-            <a:ext cx="10791092" cy="4351339"/>
+            <a:off x="838199" y="1825625"/>
+            <a:ext cx="11102787" cy="4351339"/>
           </a:xfrm>
-          <a:solidFill>
-            <a:srgbClr val="FFFF00"/>
-          </a:solidFill>
+          <a:noFill/>
         </p:spPr>
         <p:txBody>
           <a:bodyPr>
-            <a:normAutofit/>
+            <a:normAutofit fontScale="92500" lnSpcReduction="10000"/>
           </a:bodyPr>
           <a:lstStyle/>
           <a:p>
             <a:r>
               <a:rPr lang="en-GB" dirty="0"/>
-              <a:t>Code-snippets fill-in &amp; comment</a:t>
-            </a:r>
-          </a:p>
-          <a:p>
-            <a:pPr marL="0" indent="0">
-              <a:buNone/>
-            </a:pPr>
+              <a:t>Why is exponential smoothing named in this way?</a:t>
+            </a:r>
+          </a:p>
+          <a:p>
+            <a:r>
+              <a:rPr lang="en-GB" dirty="0"/>
+              <a:t>What’s the difference between simple, double and triple exponential smoothing?</a:t>
+            </a:r>
+          </a:p>
+          <a:p>
+            <a:r>
+              <a:rPr lang="en-GB" dirty="0"/>
+              <a:t>What’s the difference between the meaning of moving average in time series decomposition and the MA component in ARMA models?</a:t>
+            </a:r>
+          </a:p>
+          <a:p>
+            <a:r>
+              <a:rPr lang="en-GB" dirty="0"/>
+              <a:t>What’s the definition of Autocorrelation? How does it differ from the definition of correlation?</a:t>
+            </a:r>
+          </a:p>
+          <a:p>
+            <a:r>
+              <a:rPr lang="en-GB" dirty="0"/>
+              <a:t>Given an ACF and a PACF plot, discuss the order of the AR and MA components.</a:t>
+            </a:r>
+          </a:p>
+          <a:p>
+            <a:r>
+              <a:rPr lang="en-GB" dirty="0"/>
+              <a:t>What’s the difference between the AR and the MA part of an ARMA model?</a:t>
+            </a:r>
+          </a:p>
+          <a:p>
+            <a:r>
+              <a:rPr lang="en-GB" dirty="0"/>
+              <a:t>Describe the Box-Jenkins Methodology for ARIMA models</a:t>
+            </a:r>
+          </a:p>
+          <a:p>
             <a:endParaRPr lang="en-GB" dirty="0"/>
           </a:p>
           <a:p>
-            <a:pPr marL="0" indent="0">
-              <a:buNone/>
-            </a:pPr>
-            <a:r>
-              <a:rPr lang="en-GB" sz="2400" dirty="0"/>
-              <a:t>model = ……………………………………………………………</a:t>
-            </a:r>
-            <a:br>
-              <a:rPr lang="en-GB" sz="2400" dirty="0"/>
-            </a:br>
-            <a:r>
-              <a:rPr lang="en-GB" sz="2400" dirty="0"/>
-              <a:t>metric = …………………………………………………………… </a:t>
-            </a:r>
-            <a:br>
-              <a:rPr lang="en-GB" sz="2400" dirty="0"/>
-            </a:br>
-            <a:r>
-              <a:rPr lang="en-GB" sz="2400" dirty="0"/>
-              <a:t>stream = </a:t>
-            </a:r>
-            <a:r>
-              <a:rPr lang="en-GB" sz="2400" dirty="0" err="1"/>
-              <a:t>iter_pandas</a:t>
-            </a:r>
-            <a:r>
-              <a:rPr lang="en-GB" sz="2400" dirty="0"/>
-              <a:t>(X=data[features], y=data['class’])</a:t>
-            </a:r>
-            <a:br>
-              <a:rPr lang="en-GB" sz="2400" dirty="0"/>
-            </a:br>
-            <a:r>
-              <a:rPr lang="en-GB" sz="2400" dirty="0" err="1"/>
-              <a:t>progressive_val_score</a:t>
-            </a:r>
-            <a:r>
-              <a:rPr lang="en-GB" sz="2400" dirty="0"/>
-              <a:t>(…………………………………….,</a:t>
-            </a:r>
-            <a:br>
-              <a:rPr lang="en-GB" sz="2400" dirty="0"/>
-            </a:br>
-            <a:r>
-              <a:rPr lang="en-GB" sz="2400" dirty="0"/>
-              <a:t>		         …………………………………….,</a:t>
-            </a:r>
-            <a:br>
-              <a:rPr lang="en-GB" sz="2400" dirty="0"/>
-            </a:br>
-            <a:r>
-              <a:rPr lang="en-GB" sz="2400" dirty="0"/>
-              <a:t>		         …………………………………….,</a:t>
-            </a:r>
-            <a:br>
-              <a:rPr lang="en-GB" sz="2400" dirty="0"/>
-            </a:br>
-            <a:r>
-              <a:rPr lang="en-GB" sz="2400" dirty="0"/>
-              <a:t>		         </a:t>
-            </a:r>
-            <a:r>
-              <a:rPr lang="en-GB" sz="2400" dirty="0" err="1"/>
-              <a:t>print_every</a:t>
-            </a:r>
-            <a:r>
-              <a:rPr lang="en-GB" sz="2400" dirty="0"/>
-              <a:t>=1000)</a:t>
-            </a:r>
-          </a:p>
-          <a:p>
-            <a:pPr marL="0" indent="0">
-              <a:buNone/>
-            </a:pPr>
-            <a:endParaRPr lang="en-GB" sz="2000" dirty="0"/>
-          </a:p>
-          <a:p>
-            <a:pPr marL="0" indent="0">
-              <a:buNone/>
-            </a:pPr>
-            <a:r>
-              <a:rPr lang="it-IT" dirty="0">
-                <a:cs typeface="Calibri"/>
-              </a:rPr>
-              <a:t>For</a:t>
-            </a:r>
-            <a:r>
-              <a:rPr lang="it-IT" spc="-5" dirty="0">
-                <a:cs typeface="Calibri"/>
-              </a:rPr>
-              <a:t> </a:t>
-            </a:r>
-            <a:r>
-              <a:rPr lang="it-IT" dirty="0">
-                <a:cs typeface="Calibri"/>
-              </a:rPr>
-              <a:t>the</a:t>
-            </a:r>
-            <a:r>
-              <a:rPr lang="it-IT" spc="20" dirty="0">
-                <a:cs typeface="Calibri"/>
-              </a:rPr>
-              <a:t> </a:t>
-            </a:r>
-            <a:r>
-              <a:rPr lang="it-IT" dirty="0">
-                <a:cs typeface="Calibri"/>
-              </a:rPr>
-              <a:t>solution</a:t>
-            </a:r>
-            <a:r>
-              <a:rPr lang="it-IT" spc="5" dirty="0">
-                <a:cs typeface="Calibri"/>
-              </a:rPr>
-              <a:t> </a:t>
-            </a:r>
-            <a:r>
-              <a:rPr lang="it-IT" dirty="0" err="1">
-                <a:cs typeface="Calibri"/>
-              </a:rPr>
-              <a:t>see</a:t>
-            </a:r>
-            <a:r>
-              <a:rPr lang="it-IT" dirty="0">
-                <a:cs typeface="Calibri"/>
-              </a:rPr>
-              <a:t> </a:t>
-            </a:r>
-            <a:r>
-              <a:rPr lang="it-IT" dirty="0">
-                <a:cs typeface="Calibri"/>
-                <a:hlinkClick r:id="rId2"/>
-              </a:rPr>
-              <a:t>here</a:t>
-            </a:r>
-            <a:endParaRPr lang="it-IT" dirty="0">
-              <a:cs typeface="Calibri"/>
-            </a:endParaRPr>
+            <a:endParaRPr lang="en-GB" dirty="0"/>
           </a:p>
         </p:txBody>
       </p:sp>
@@ -7952,7 +8740,7 @@
     </p:spTree>
     <p:extLst>
       <p:ext uri="{BB962C8B-B14F-4D97-AF65-F5344CB8AC3E}">
-        <p14:creationId xmlns:p14="http://schemas.microsoft.com/office/powerpoint/2010/main" val="1823437186"/>
+        <p14:creationId xmlns:p14="http://schemas.microsoft.com/office/powerpoint/2010/main" val="4041868519"/>
       </p:ext>
     </p:extLst>
   </p:cSld>
@@ -7995,7 +8783,12 @@
             <p:ph type="title"/>
           </p:nvPr>
         </p:nvSpPr>
-        <p:spPr/>
+        <p:spPr>
+          <a:xfrm>
+            <a:off x="838200" y="365125"/>
+            <a:ext cx="11102788" cy="1325563"/>
+          </a:xfrm>
+        </p:spPr>
         <p:txBody>
           <a:bodyPr>
             <a:normAutofit/>
@@ -8003,87 +8796,34 @@
           <a:lstStyle/>
           <a:p>
             <a:r>
+              <a:rPr lang="it-IT" b="1" dirty="0" err="1"/>
+              <a:t>Questions</a:t>
+            </a:r>
+            <a:r>
+              <a:rPr lang="it-IT" dirty="0"/>
+              <a:t> to test the </a:t>
+            </a:r>
+            <a:r>
               <a:rPr lang="en-GB" b="1" dirty="0"/>
-              <a:t>Exercises</a:t>
-            </a:r>
-            <a:r>
-              <a:rPr lang="en-GB" dirty="0"/>
-              <a:t> on </a:t>
-            </a:r>
-            <a:r>
-              <a:rPr lang="en-GB" b="1" dirty="0"/>
-              <a:t>SML</a:t>
-            </a:r>
-            <a:endParaRPr lang="it-IT" b="1" dirty="0"/>
-          </a:p>
-        </p:txBody>
-      </p:sp>
-      <p:sp>
-        <p:nvSpPr>
-          <p:cNvPr id="10" name="Content Placeholder 9">
-            <a:extLst>
-              <a:ext uri="{FF2B5EF4-FFF2-40B4-BE49-F238E27FC236}">
-                <a16:creationId xmlns:a16="http://schemas.microsoft.com/office/drawing/2014/main" id="{74517F86-4B29-7742-9D41-82F9D9CAC7B3}"/>
-              </a:ext>
-            </a:extLst>
-          </p:cNvPr>
-          <p:cNvSpPr>
-            <a:spLocks noGrp="1"/>
-          </p:cNvSpPr>
-          <p:nvPr>
-            <p:ph idx="1"/>
-          </p:nvPr>
-        </p:nvSpPr>
-        <p:spPr>
-          <a:xfrm>
-            <a:off x="838200" y="1825625"/>
-            <a:ext cx="10791092" cy="4351339"/>
-          </a:xfrm>
-          <a:solidFill>
-            <a:srgbClr val="FFFF00"/>
-          </a:solidFill>
-        </p:spPr>
-        <p:txBody>
-          <a:bodyPr>
-            <a:normAutofit/>
-          </a:bodyPr>
-          <a:lstStyle/>
-          <a:p>
-            <a:r>
-              <a:rPr lang="en-GB" dirty="0"/>
-              <a:t>Problem solving</a:t>
-            </a:r>
-          </a:p>
-          <a:p>
-            <a:pPr marL="0" indent="0">
-              <a:buNone/>
-            </a:pPr>
-            <a:endParaRPr lang="en-GB" dirty="0"/>
-          </a:p>
-          <a:p>
-            <a:pPr lvl="1"/>
-            <a:r>
-              <a:rPr lang="en-GB" dirty="0"/>
-              <a:t>Given a particular data stream, describe which method, evaluation mode, concept drift detector and metric you would use and why, listing the expected results</a:t>
-            </a:r>
-          </a:p>
-          <a:p>
-            <a:pPr lvl="1"/>
-            <a:r>
-              <a:rPr lang="en-GB" dirty="0"/>
-              <a:t>Given a particular data stream, describe which concept drift detector you would use and why</a:t>
-            </a:r>
-            <a:r>
-              <a:rPr lang="en-GB"/>
-              <a:t>, listing the expected results</a:t>
-            </a:r>
-            <a:endParaRPr lang="en-GB" dirty="0"/>
-          </a:p>
-          <a:p>
-            <a:pPr marL="0" indent="0">
-              <a:buNone/>
-            </a:pPr>
-            <a:endParaRPr lang="en-GB" dirty="0"/>
+              <a:t>depth</a:t>
+            </a:r>
+            <a:r>
+              <a:rPr lang="it-IT" dirty="0"/>
+              <a:t> of </a:t>
+            </a:r>
+            <a:r>
+              <a:rPr lang="it-IT" dirty="0" err="1"/>
+              <a:t>your</a:t>
+            </a:r>
+            <a:r>
+              <a:rPr lang="it-IT" dirty="0"/>
+              <a:t> </a:t>
+            </a:r>
+            <a:r>
+              <a:rPr lang="it-IT" dirty="0" err="1"/>
+              <a:t>knowledge</a:t>
+            </a:r>
+            <a:endParaRPr lang="it-IT" dirty="0"/>
           </a:p>
         </p:txBody>
       </p:sp>
@@ -8144,10 +8884,107 @@
           </a:p>
         </p:txBody>
       </p:sp>
+      <p:pic>
+        <p:nvPicPr>
+          <p:cNvPr id="3" name="Immagine 2">
+            <a:extLst>
+              <a:ext uri="{FF2B5EF4-FFF2-40B4-BE49-F238E27FC236}">
+                <a16:creationId xmlns:a16="http://schemas.microsoft.com/office/drawing/2014/main" id="{AF537E5F-FBA8-9999-5BCB-B18603E34A41}"/>
+              </a:ext>
+            </a:extLst>
+          </p:cNvPr>
+          <p:cNvPicPr>
+            <a:picLocks noChangeAspect="1"/>
+          </p:cNvPicPr>
+          <p:nvPr/>
+        </p:nvPicPr>
+        <p:blipFill>
+          <a:blip r:embed="rId3"/>
+          <a:stretch>
+            <a:fillRect/>
+          </a:stretch>
+        </p:blipFill>
+        <p:spPr>
+          <a:xfrm>
+            <a:off x="3152480" y="2560034"/>
+            <a:ext cx="5887039" cy="3887667"/>
+          </a:xfrm>
+          <a:prstGeom prst="rect">
+            <a:avLst/>
+          </a:prstGeom>
+        </p:spPr>
+      </p:pic>
+      <p:sp>
+        <p:nvSpPr>
+          <p:cNvPr id="10" name="CasellaDiTesto 9">
+            <a:extLst>
+              <a:ext uri="{FF2B5EF4-FFF2-40B4-BE49-F238E27FC236}">
+                <a16:creationId xmlns:a16="http://schemas.microsoft.com/office/drawing/2014/main" id="{CA3D1101-8AB6-E436-8043-632F19C6F9C6}"/>
+              </a:ext>
+            </a:extLst>
+          </p:cNvPr>
+          <p:cNvSpPr txBox="1"/>
+          <p:nvPr/>
+        </p:nvSpPr>
+        <p:spPr>
+          <a:xfrm>
+            <a:off x="838200" y="1630382"/>
+            <a:ext cx="8580120" cy="707886"/>
+          </a:xfrm>
+          <a:prstGeom prst="rect">
+            <a:avLst/>
+          </a:prstGeom>
+          <a:noFill/>
+        </p:spPr>
+        <p:txBody>
+          <a:bodyPr wrap="square">
+            <a:spAutoFit/>
+          </a:bodyPr>
+          <a:lstStyle/>
+          <a:p>
+            <a:pPr algn="l"/>
+            <a:r>
+              <a:rPr lang="en-GB" sz="2000" dirty="0">
+                <a:solidFill>
+                  <a:srgbClr val="242424"/>
+                </a:solidFill>
+                <a:latin typeface="-apple-system"/>
+              </a:rPr>
+              <a:t>Given the following plot showing the performance of a CL model, d</a:t>
+            </a:r>
+            <a:r>
+              <a:rPr lang="en-GB" sz="2000" b="0" i="0" dirty="0">
+                <a:solidFill>
+                  <a:srgbClr val="242424"/>
+                </a:solidFill>
+                <a:effectLst/>
+                <a:latin typeface="-apple-system"/>
+              </a:rPr>
+              <a:t>escribes the learning </a:t>
+            </a:r>
+            <a:r>
+              <a:rPr lang="en-GB" sz="2000" dirty="0">
+                <a:solidFill>
+                  <a:srgbClr val="242424"/>
+                </a:solidFill>
+                <a:latin typeface="-apple-system"/>
+              </a:rPr>
+              <a:t>abilities of the model.</a:t>
+            </a:r>
+            <a:endParaRPr lang="en-GB" sz="2000" b="0" i="0" dirty="0">
+              <a:solidFill>
+                <a:srgbClr val="242424"/>
+              </a:solidFill>
+              <a:effectLst/>
+              <a:latin typeface="-apple-system"/>
+            </a:endParaRPr>
+          </a:p>
+        </p:txBody>
+      </p:sp>
     </p:spTree>
     <p:extLst>
       <p:ext uri="{BB962C8B-B14F-4D97-AF65-F5344CB8AC3E}">
-        <p14:creationId xmlns:p14="http://schemas.microsoft.com/office/powerpoint/2010/main" val="2947216780"/>
+        <p14:creationId xmlns:p14="http://schemas.microsoft.com/office/powerpoint/2010/main" val="804360266"/>
       </p:ext>
     </p:extLst>
   </p:cSld>
@@ -8207,7 +9044,7 @@
             </a:r>
             <a:r>
               <a:rPr lang="en-GB" b="1" dirty="0"/>
-              <a:t>TSA</a:t>
+              <a:t>SML</a:t>
             </a:r>
             <a:endParaRPr lang="it-IT" b="1" dirty="0"/>
           </a:p>
@@ -8234,9 +9071,7 @@
             <a:off x="838200" y="1825625"/>
             <a:ext cx="10791092" cy="4351339"/>
           </a:xfrm>
-          <a:solidFill>
-            <a:srgbClr val="FFFF00"/>
-          </a:solidFill>
+          <a:noFill/>
         </p:spPr>
         <p:txBody>
           <a:bodyPr>
@@ -8244,7 +9079,156 @@
           </a:bodyPr>
           <a:lstStyle/>
           <a:p>
+            <a:r>
+              <a:rPr lang="en-GB" dirty="0"/>
+              <a:t>Code-snippets fill-in &amp; comment</a:t>
+            </a:r>
+          </a:p>
+          <a:p>
+            <a:pPr marL="0" indent="0">
+              <a:buNone/>
+            </a:pPr>
             <a:endParaRPr lang="en-GB" dirty="0"/>
+          </a:p>
+          <a:p>
+            <a:pPr marL="0" indent="0">
+              <a:buNone/>
+            </a:pPr>
+            <a:r>
+              <a:rPr lang="en-GB" sz="2400" dirty="0"/>
+              <a:t>model = ……………………………………………………………</a:t>
+            </a:r>
+            <a:br>
+              <a:rPr lang="en-GB" sz="2400" dirty="0"/>
+            </a:br>
+            <a:r>
+              <a:rPr lang="en-GB" sz="2400" dirty="0"/>
+              <a:t>metric = …………………………………………………………… </a:t>
+            </a:r>
+            <a:br>
+              <a:rPr lang="en-GB" sz="2400" dirty="0"/>
+            </a:br>
+            <a:r>
+              <a:rPr lang="en-GB" sz="2400" dirty="0"/>
+              <a:t>stream = </a:t>
+            </a:r>
+            <a:r>
+              <a:rPr lang="en-GB" sz="2400" dirty="0" err="1"/>
+              <a:t>iter_pandas</a:t>
+            </a:r>
+            <a:r>
+              <a:rPr lang="en-GB" sz="2400" dirty="0"/>
+              <a:t>(X=data[features], y=data['class’])</a:t>
+            </a:r>
+            <a:br>
+              <a:rPr lang="en-GB" sz="2400" dirty="0"/>
+            </a:br>
+            <a:r>
+              <a:rPr lang="en-GB" sz="2400" dirty="0" err="1"/>
+              <a:t>progressive_val_score</a:t>
+            </a:r>
+            <a:r>
+              <a:rPr lang="en-GB" sz="2400" dirty="0"/>
+              <a:t>(…………………………………….,</a:t>
+            </a:r>
+            <a:br>
+              <a:rPr lang="en-GB" sz="2400" dirty="0"/>
+            </a:br>
+            <a:r>
+              <a:rPr lang="en-GB" sz="2400" dirty="0"/>
+              <a:t>		         …………………………………….,</a:t>
+            </a:r>
+            <a:br>
+              <a:rPr lang="en-GB" sz="2400" dirty="0"/>
+            </a:br>
+            <a:r>
+              <a:rPr lang="en-GB" sz="2400" dirty="0"/>
+              <a:t>		         …………………………………….,</a:t>
+            </a:r>
+            <a:br>
+              <a:rPr lang="en-GB" sz="2400" dirty="0"/>
+            </a:br>
+            <a:r>
+              <a:rPr lang="en-GB" sz="2400" dirty="0"/>
+              <a:t>		         </a:t>
+            </a:r>
+            <a:r>
+              <a:rPr lang="en-GB" sz="2400" dirty="0" err="1"/>
+              <a:t>print_every</a:t>
+            </a:r>
+            <a:r>
+              <a:rPr lang="en-GB" sz="2400" dirty="0"/>
+              <a:t>=1000)</a:t>
+            </a:r>
+          </a:p>
+          <a:p>
+            <a:pPr marL="0" indent="0">
+              <a:buNone/>
+            </a:pPr>
+            <a:endParaRPr lang="en-GB" sz="2000" dirty="0"/>
+          </a:p>
+          <a:p>
+            <a:pPr marL="0" indent="0">
+              <a:buNone/>
+            </a:pPr>
+            <a:r>
+              <a:rPr lang="it-IT" dirty="0">
+                <a:cs typeface="Calibri"/>
+              </a:rPr>
+              <a:t>For</a:t>
+            </a:r>
+            <a:r>
+              <a:rPr lang="it-IT" spc="-5" dirty="0">
+                <a:cs typeface="Calibri"/>
+              </a:rPr>
+              <a:t> </a:t>
+            </a:r>
+            <a:r>
+              <a:rPr lang="it-IT" dirty="0">
+                <a:cs typeface="Calibri"/>
+              </a:rPr>
+              <a:t>the</a:t>
+            </a:r>
+            <a:r>
+              <a:rPr lang="it-IT" spc="20" dirty="0">
+                <a:cs typeface="Calibri"/>
+              </a:rPr>
+              <a:t> </a:t>
+            </a:r>
+            <a:r>
+              <a:rPr lang="it-IT" dirty="0">
+                <a:cs typeface="Calibri"/>
+              </a:rPr>
+              <a:t>solution</a:t>
+            </a:r>
+            <a:r>
+              <a:rPr lang="it-IT" spc="5" dirty="0">
+                <a:cs typeface="Calibri"/>
+              </a:rPr>
+              <a:t> </a:t>
+            </a:r>
+            <a:r>
+              <a:rPr lang="it-IT" dirty="0" err="1">
+                <a:cs typeface="Calibri"/>
+              </a:rPr>
+              <a:t>see</a:t>
+            </a:r>
+            <a:r>
+              <a:rPr lang="it-IT" dirty="0">
+                <a:cs typeface="Calibri"/>
+              </a:rPr>
+              <a:t> </a:t>
+            </a:r>
+            <a:r>
+              <a:rPr lang="it-IT" dirty="0">
+                <a:cs typeface="Calibri"/>
+                <a:hlinkClick r:id="rId2"/>
+              </a:rPr>
+              <a:t>here</a:t>
+            </a:r>
+            <a:endParaRPr lang="it-IT" dirty="0">
+              <a:cs typeface="Calibri"/>
+            </a:endParaRPr>
           </a:p>
         </p:txBody>
       </p:sp>
@@ -8308,7 +9292,7 @@
     </p:spTree>
     <p:extLst>
       <p:ext uri="{BB962C8B-B14F-4D97-AF65-F5344CB8AC3E}">
-        <p14:creationId xmlns:p14="http://schemas.microsoft.com/office/powerpoint/2010/main" val="3410039972"/>
+        <p14:creationId xmlns:p14="http://schemas.microsoft.com/office/powerpoint/2010/main" val="1823437186"/>
       </p:ext>
     </p:extLst>
   </p:cSld>

--- a/lectures/11_SDS_exam-preview/11_Streaming-Data-Science_exam-preview.pptx
+++ b/lectures/11_SDS_exam-preview/11_Streaming-Data-Science_exam-preview.pptx
@@ -367,7 +367,7 @@
           <a:p>
             <a:fld id="{E5C51989-9A18-B94A-8794-50FDA8B77593}" type="slidenum">
               <a:rPr lang="en-US" smtClean="0"/>
-              <a:t>‹N›</a:t>
+              <a:t>‹#›</a:t>
             </a:fld>
             <a:endParaRPr lang="en-US"/>
           </a:p>
@@ -1556,7 +1556,7 @@
           <a:p>
             <a:fld id="{463394A2-5689-C845-95DB-27F089FB77B0}" type="slidenum">
               <a:rPr lang="en-US" smtClean="0"/>
-              <a:t>‹N›</a:t>
+              <a:t>‹#›</a:t>
             </a:fld>
             <a:endParaRPr lang="en-US"/>
           </a:p>
@@ -1753,7 +1753,7 @@
           <a:p>
             <a:fld id="{463394A2-5689-C845-95DB-27F089FB77B0}" type="slidenum">
               <a:rPr lang="en-US" smtClean="0"/>
-              <a:t>‹N›</a:t>
+              <a:t>‹#›</a:t>
             </a:fld>
             <a:endParaRPr lang="en-US"/>
           </a:p>
@@ -1960,7 +1960,7 @@
           <a:p>
             <a:fld id="{463394A2-5689-C845-95DB-27F089FB77B0}" type="slidenum">
               <a:rPr lang="en-US" smtClean="0"/>
-              <a:t>‹N›</a:t>
+              <a:t>‹#›</a:t>
             </a:fld>
             <a:endParaRPr lang="en-US"/>
           </a:p>
@@ -3230,7 +3230,7 @@
           <a:p>
             <a:fld id="{463394A2-5689-C845-95DB-27F089FB77B0}" type="slidenum">
               <a:rPr lang="en-US" smtClean="0"/>
-              <a:t>‹N›</a:t>
+              <a:t>‹#›</a:t>
             </a:fld>
             <a:endParaRPr lang="en-US"/>
           </a:p>
@@ -3504,7 +3504,7 @@
           <a:p>
             <a:fld id="{463394A2-5689-C845-95DB-27F089FB77B0}" type="slidenum">
               <a:rPr lang="en-US" smtClean="0"/>
-              <a:t>‹N›</a:t>
+              <a:t>‹#›</a:t>
             </a:fld>
             <a:endParaRPr lang="en-US"/>
           </a:p>
@@ -3768,7 +3768,7 @@
           <a:p>
             <a:fld id="{463394A2-5689-C845-95DB-27F089FB77B0}" type="slidenum">
               <a:rPr lang="en-US" smtClean="0"/>
-              <a:t>‹N›</a:t>
+              <a:t>‹#›</a:t>
             </a:fld>
             <a:endParaRPr lang="en-US"/>
           </a:p>
@@ -4179,7 +4179,7 @@
           <a:p>
             <a:fld id="{463394A2-5689-C845-95DB-27F089FB77B0}" type="slidenum">
               <a:rPr lang="en-US" smtClean="0"/>
-              <a:t>‹N›</a:t>
+              <a:t>‹#›</a:t>
             </a:fld>
             <a:endParaRPr lang="en-US"/>
           </a:p>
@@ -4319,7 +4319,7 @@
           <a:p>
             <a:fld id="{463394A2-5689-C845-95DB-27F089FB77B0}" type="slidenum">
               <a:rPr lang="en-US" smtClean="0"/>
-              <a:t>‹N›</a:t>
+              <a:t>‹#›</a:t>
             </a:fld>
             <a:endParaRPr lang="en-US"/>
           </a:p>
@@ -4431,7 +4431,7 @@
           <a:p>
             <a:fld id="{463394A2-5689-C845-95DB-27F089FB77B0}" type="slidenum">
               <a:rPr lang="en-US" smtClean="0"/>
-              <a:t>‹N›</a:t>
+              <a:t>‹#›</a:t>
             </a:fld>
             <a:endParaRPr lang="en-US"/>
           </a:p>
@@ -4741,7 +4741,7 @@
           <a:p>
             <a:fld id="{463394A2-5689-C845-95DB-27F089FB77B0}" type="slidenum">
               <a:rPr lang="en-US" smtClean="0"/>
-              <a:t>‹N›</a:t>
+              <a:t>‹#›</a:t>
             </a:fld>
             <a:endParaRPr lang="en-US"/>
           </a:p>
@@ -5028,7 +5028,7 @@
           <a:p>
             <a:fld id="{463394A2-5689-C845-95DB-27F089FB77B0}" type="slidenum">
               <a:rPr lang="en-US" smtClean="0"/>
-              <a:t>‹N›</a:t>
+              <a:t>‹#›</a:t>
             </a:fld>
             <a:endParaRPr lang="en-US"/>
           </a:p>
@@ -5304,7 +5304,7 @@
           <a:p>
             <a:fld id="{463394A2-5689-C845-95DB-27F089FB77B0}" type="slidenum">
               <a:rPr lang="en-US" smtClean="0"/>
-              <a:t>‹N›</a:t>
+              <a:t>‹#›</a:t>
             </a:fld>
             <a:endParaRPr lang="en-US"/>
           </a:p>
@@ -7932,13 +7932,13 @@
           <a:p>
             <a:r>
               <a:rPr lang="en-GB" sz="2600" dirty="0"/>
-              <a:t>Discuss why the white noise is the perfect time series.</a:t>
+              <a:t>Why is the white noise the ”perfect” time series?</a:t>
             </a:r>
           </a:p>
           <a:p>
             <a:r>
               <a:rPr lang="en-GB" sz="2600" dirty="0"/>
-              <a:t>Which are the methods to test for stationarity? Explain one of them in details</a:t>
+              <a:t>Which are the methods to test for stationarity? Explain one of them in detail</a:t>
             </a:r>
           </a:p>
           <a:p>
@@ -7950,13 +7950,13 @@
           <a:p>
             <a:r>
               <a:rPr lang="en-GB" sz="2600" dirty="0"/>
-              <a:t>Which are the methods to detrend a time-series? Explain one of them in details</a:t>
+              <a:t>Which are the methods to detrend a time series? Explain one of them in detail</a:t>
             </a:r>
           </a:p>
           <a:p>
             <a:r>
               <a:rPr lang="en-GB" sz="2600" dirty="0"/>
-              <a:t>Which are the methods to identify seasonality in a time-series? Explain one of them in details</a:t>
+              <a:t>Which are the methods to identify seasonality in a time series? Explain one of them in detail</a:t>
             </a:r>
           </a:p>
           <a:p>
@@ -8158,7 +8158,7 @@
           <a:p>
             <a:r>
               <a:rPr lang="en-GB" dirty="0"/>
-              <a:t>Describe the main differences between Streaming Machine Learning and Continual Learning paradigms.</a:t>
+              <a:t>Which are the main differences between Streaming Machine Learning and Continual Learning paradigms?</a:t>
             </a:r>
           </a:p>
           <a:p>
@@ -8170,20 +8170,30 @@
           <a:p>
             <a:r>
               <a:rPr lang="en-GB" dirty="0"/>
-              <a:t>Which are the main evaluation metrics used in Continual Learning?</a:t>
+              <a:t>Which are the primary evaluation metrics used in Continual Learning?</a:t>
             </a:r>
           </a:p>
           <a:p>
             <a:r>
               <a:rPr lang="en-GB" dirty="0"/>
-              <a:t>Discuss the stability-plasticity dilemma.</a:t>
-            </a:r>
+              <a:t>What’s the stability-plasticity dilemma? </a:t>
+            </a:r>
+            <a:r>
+              <a:rPr lang="en-GB" sz="2800" dirty="0"/>
+              <a:t>Illustrate your explanation with an example</a:t>
+            </a:r>
+            <a:endParaRPr lang="en-GB" dirty="0"/>
           </a:p>
           <a:p>
             <a:r>
               <a:rPr lang="en-GB" dirty="0"/>
-              <a:t>Discuss the catastrophic forgetting problem.</a:t>
-            </a:r>
+              <a:t>What’s the catastrophic forgetting problem? </a:t>
+            </a:r>
+            <a:r>
+              <a:rPr lang="en-GB" sz="2800" dirty="0"/>
+              <a:t>Illustrate your explanation with an example</a:t>
+            </a:r>
+            <a:endParaRPr lang="en-GB" dirty="0"/>
           </a:p>
           <a:p>
             <a:endParaRPr lang="en-GB" dirty="0"/>
@@ -8639,7 +8649,7 @@
           <a:p>
             <a:r>
               <a:rPr lang="en-GB" dirty="0"/>
-              <a:t>What’s the difference between simple, double and triple exponential smoothing?</a:t>
+              <a:t>What’s the difference between simple, double, and triple exponential smoothing?</a:t>
             </a:r>
           </a:p>
           <a:p>
@@ -8669,7 +8679,7 @@
           <a:p>
             <a:r>
               <a:rPr lang="en-GB" dirty="0"/>
-              <a:t>Describe the Box-Jenkins Methodology for ARIMA models</a:t>
+              <a:t>How does the Box-Jenkins Methodology for ARIMA models allow us to estimate the orders of the model?</a:t>
             </a:r>
           </a:p>
           <a:p>
@@ -8950,7 +8960,7 @@
                 </a:solidFill>
                 <a:latin typeface="-apple-system"/>
               </a:rPr>
-              <a:t>Given the following plot showing the performance of a CL model, d</a:t>
+              <a:t>Given the following plot showing the performance of a Continual Learning model, d</a:t>
             </a:r>
             <a:r>
               <a:rPr lang="en-GB" sz="2000" b="0" i="0" dirty="0">

--- a/lectures/11_SDS_exam-preview/11_Streaming-Data-Science_exam-preview.pptx
+++ b/lectures/11_SDS_exam-preview/11_Streaming-Data-Science_exam-preview.pptx
@@ -367,7 +367,7 @@
           <a:p>
             <a:fld id="{E5C51989-9A18-B94A-8794-50FDA8B77593}" type="slidenum">
               <a:rPr lang="en-US" smtClean="0"/>
-              <a:t>‹#›</a:t>
+              <a:t>‹N›</a:t>
             </a:fld>
             <a:endParaRPr lang="en-US"/>
           </a:p>
@@ -1556,7 +1556,7 @@
           <a:p>
             <a:fld id="{463394A2-5689-C845-95DB-27F089FB77B0}" type="slidenum">
               <a:rPr lang="en-US" smtClean="0"/>
-              <a:t>‹#›</a:t>
+              <a:t>‹N›</a:t>
             </a:fld>
             <a:endParaRPr lang="en-US"/>
           </a:p>
@@ -1753,7 +1753,7 @@
           <a:p>
             <a:fld id="{463394A2-5689-C845-95DB-27F089FB77B0}" type="slidenum">
               <a:rPr lang="en-US" smtClean="0"/>
-              <a:t>‹#›</a:t>
+              <a:t>‹N›</a:t>
             </a:fld>
             <a:endParaRPr lang="en-US"/>
           </a:p>
@@ -1960,7 +1960,7 @@
           <a:p>
             <a:fld id="{463394A2-5689-C845-95DB-27F089FB77B0}" type="slidenum">
               <a:rPr lang="en-US" smtClean="0"/>
-              <a:t>‹#›</a:t>
+              <a:t>‹N›</a:t>
             </a:fld>
             <a:endParaRPr lang="en-US"/>
           </a:p>
@@ -3230,7 +3230,7 @@
           <a:p>
             <a:fld id="{463394A2-5689-C845-95DB-27F089FB77B0}" type="slidenum">
               <a:rPr lang="en-US" smtClean="0"/>
-              <a:t>‹#›</a:t>
+              <a:t>‹N›</a:t>
             </a:fld>
             <a:endParaRPr lang="en-US"/>
           </a:p>
@@ -3504,7 +3504,7 @@
           <a:p>
             <a:fld id="{463394A2-5689-C845-95DB-27F089FB77B0}" type="slidenum">
               <a:rPr lang="en-US" smtClean="0"/>
-              <a:t>‹#›</a:t>
+              <a:t>‹N›</a:t>
             </a:fld>
             <a:endParaRPr lang="en-US"/>
           </a:p>
@@ -3768,7 +3768,7 @@
           <a:p>
             <a:fld id="{463394A2-5689-C845-95DB-27F089FB77B0}" type="slidenum">
               <a:rPr lang="en-US" smtClean="0"/>
-              <a:t>‹#›</a:t>
+              <a:t>‹N›</a:t>
             </a:fld>
             <a:endParaRPr lang="en-US"/>
           </a:p>
@@ -4179,7 +4179,7 @@
           <a:p>
             <a:fld id="{463394A2-5689-C845-95DB-27F089FB77B0}" type="slidenum">
               <a:rPr lang="en-US" smtClean="0"/>
-              <a:t>‹#›</a:t>
+              <a:t>‹N›</a:t>
             </a:fld>
             <a:endParaRPr lang="en-US"/>
           </a:p>
@@ -4319,7 +4319,7 @@
           <a:p>
             <a:fld id="{463394A2-5689-C845-95DB-27F089FB77B0}" type="slidenum">
               <a:rPr lang="en-US" smtClean="0"/>
-              <a:t>‹#›</a:t>
+              <a:t>‹N›</a:t>
             </a:fld>
             <a:endParaRPr lang="en-US"/>
           </a:p>
@@ -4431,7 +4431,7 @@
           <a:p>
             <a:fld id="{463394A2-5689-C845-95DB-27F089FB77B0}" type="slidenum">
               <a:rPr lang="en-US" smtClean="0"/>
-              <a:t>‹#›</a:t>
+              <a:t>‹N›</a:t>
             </a:fld>
             <a:endParaRPr lang="en-US"/>
           </a:p>
@@ -4741,7 +4741,7 @@
           <a:p>
             <a:fld id="{463394A2-5689-C845-95DB-27F089FB77B0}" type="slidenum">
               <a:rPr lang="en-US" smtClean="0"/>
-              <a:t>‹#›</a:t>
+              <a:t>‹N›</a:t>
             </a:fld>
             <a:endParaRPr lang="en-US"/>
           </a:p>
@@ -5028,7 +5028,7 @@
           <a:p>
             <a:fld id="{463394A2-5689-C845-95DB-27F089FB77B0}" type="slidenum">
               <a:rPr lang="en-US" smtClean="0"/>
-              <a:t>‹#›</a:t>
+              <a:t>‹N›</a:t>
             </a:fld>
             <a:endParaRPr lang="en-US"/>
           </a:p>
@@ -5304,7 +5304,7 @@
           <a:p>
             <a:fld id="{463394A2-5689-C845-95DB-27F089FB77B0}" type="slidenum">
               <a:rPr lang="en-US" smtClean="0"/>
-              <a:t>‹#›</a:t>
+              <a:t>‹N›</a:t>
             </a:fld>
             <a:endParaRPr lang="en-US"/>
           </a:p>
@@ -6035,6 +6035,97 @@
           </a:p>
         </p:txBody>
       </p:sp>
+      <p:sp>
+        <p:nvSpPr>
+          <p:cNvPr id="5" name="CasellaDiTesto 4">
+            <a:extLst>
+              <a:ext uri="{FF2B5EF4-FFF2-40B4-BE49-F238E27FC236}">
+                <a16:creationId xmlns:a16="http://schemas.microsoft.com/office/drawing/2014/main" id="{DB95A5B5-1AE6-C741-BEF3-C5ED6AA4C3E9}"/>
+              </a:ext>
+            </a:extLst>
+          </p:cNvPr>
+          <p:cNvSpPr txBox="1"/>
+          <p:nvPr/>
+        </p:nvSpPr>
+        <p:spPr>
+          <a:xfrm>
+            <a:off x="838199" y="5767754"/>
+            <a:ext cx="10310447" cy="461665"/>
+          </a:xfrm>
+          <a:prstGeom prst="rect">
+            <a:avLst/>
+          </a:prstGeom>
+          <a:noFill/>
+        </p:spPr>
+        <p:txBody>
+          <a:bodyPr wrap="square">
+            <a:spAutoFit/>
+          </a:bodyPr>
+          <a:lstStyle/>
+          <a:p>
+            <a:pPr marL="0" indent="0">
+              <a:buNone/>
+            </a:pPr>
+            <a:r>
+              <a:rPr lang="it-IT" sz="2400" dirty="0">
+                <a:cs typeface="Calibri"/>
+              </a:rPr>
+              <a:t>For</a:t>
+            </a:r>
+            <a:r>
+              <a:rPr lang="it-IT" sz="2400" spc="-5" dirty="0">
+                <a:cs typeface="Calibri"/>
+              </a:rPr>
+              <a:t> a facsimile </a:t>
+            </a:r>
+            <a:r>
+              <a:rPr lang="it-IT" sz="2400" dirty="0">
+                <a:cs typeface="Calibri"/>
+              </a:rPr>
+              <a:t>solution</a:t>
+            </a:r>
+            <a:r>
+              <a:rPr lang="it-IT" sz="2400" spc="5" dirty="0">
+                <a:cs typeface="Calibri"/>
+              </a:rPr>
+              <a:t> </a:t>
+            </a:r>
+            <a:r>
+              <a:rPr lang="it-IT" sz="2400" dirty="0" err="1">
+                <a:cs typeface="Calibri"/>
+              </a:rPr>
+              <a:t>see</a:t>
+            </a:r>
+            <a:r>
+              <a:rPr lang="it-IT" sz="2400" dirty="0">
+                <a:cs typeface="Calibri"/>
+              </a:rPr>
+              <a:t> </a:t>
+            </a:r>
+            <a:r>
+              <a:rPr lang="en-GB" sz="2400" dirty="0" err="1">
+                <a:cs typeface="Calibri"/>
+              </a:rPr>
+              <a:t>Stream_Classification.ipynb</a:t>
+            </a:r>
+            <a:r>
+              <a:rPr lang="en-GB" sz="2400" dirty="0">
+                <a:cs typeface="Calibri"/>
+              </a:rPr>
+              <a:t> and </a:t>
+            </a:r>
+            <a:r>
+              <a:rPr lang="en-GB" sz="2400" dirty="0" err="1">
+                <a:cs typeface="Calibri"/>
+              </a:rPr>
+              <a:t>Concept_Drift.ipynb</a:t>
+            </a:r>
+            <a:endParaRPr lang="it-IT" sz="2400" dirty="0">
+              <a:cs typeface="Calibri"/>
+            </a:endParaRPr>
+          </a:p>
+        </p:txBody>
+      </p:sp>
     </p:spTree>
     <p:extLst>
       <p:ext uri="{BB962C8B-B14F-4D97-AF65-F5344CB8AC3E}">
@@ -6221,49 +6312,49 @@
               <a:buNone/>
             </a:pPr>
             <a:r>
-              <a:rPr lang="it-IT" dirty="0">
+              <a:rPr lang="it-IT" sz="2400" dirty="0">
                 <a:cs typeface="Calibri"/>
               </a:rPr>
               <a:t>For</a:t>
             </a:r>
             <a:r>
-              <a:rPr lang="it-IT" spc="-5" dirty="0">
+              <a:rPr lang="it-IT" sz="2400" spc="-5" dirty="0">
                 <a:cs typeface="Calibri"/>
               </a:rPr>
               <a:t> </a:t>
             </a:r>
             <a:r>
-              <a:rPr lang="it-IT" dirty="0">
+              <a:rPr lang="it-IT" sz="2400" dirty="0">
                 <a:cs typeface="Calibri"/>
               </a:rPr>
               <a:t>the</a:t>
             </a:r>
             <a:r>
-              <a:rPr lang="it-IT" spc="20" dirty="0">
+              <a:rPr lang="it-IT" sz="2400" spc="20" dirty="0">
                 <a:cs typeface="Calibri"/>
               </a:rPr>
               <a:t> </a:t>
             </a:r>
             <a:r>
-              <a:rPr lang="it-IT" dirty="0">
+              <a:rPr lang="it-IT" sz="2400" dirty="0">
                 <a:cs typeface="Calibri"/>
               </a:rPr>
               <a:t>solution</a:t>
             </a:r>
             <a:r>
-              <a:rPr lang="it-IT" spc="5" dirty="0">
+              <a:rPr lang="it-IT" sz="2400" spc="5" dirty="0">
                 <a:cs typeface="Calibri"/>
               </a:rPr>
               <a:t> </a:t>
             </a:r>
             <a:r>
-              <a:rPr lang="it-IT" dirty="0" err="1">
+              <a:rPr lang="it-IT" sz="2400" dirty="0" err="1">
                 <a:cs typeface="Calibri"/>
               </a:rPr>
               <a:t>see</a:t>
             </a:r>
             <a:r>
-              <a:rPr lang="it-IT" dirty="0">
+              <a:rPr lang="it-IT" sz="2400" dirty="0">
                 <a:cs typeface="Calibri"/>
               </a:rPr>
               <a:t> TSA_02_Decomposition.ipynb</a:t>
@@ -6473,7 +6564,7 @@
         <p:spPr>
           <a:xfrm>
             <a:off x="838200" y="1580328"/>
-            <a:ext cx="10891345" cy="4665664"/>
+            <a:ext cx="10891345" cy="4187426"/>
           </a:xfrm>
           <a:noFill/>
         </p:spPr>
@@ -6487,12 +6578,6 @@
               <a:rPr lang="en-GB" dirty="0"/>
               <a:t>Problem solving</a:t>
             </a:r>
-          </a:p>
-          <a:p>
-            <a:pPr marL="0" indent="0">
-              <a:buNone/>
-            </a:pPr>
-            <a:endParaRPr lang="en-GB" dirty="0"/>
           </a:p>
           <a:p>
             <a:pPr lvl="1"/>
@@ -6567,7 +6652,7 @@
         </p:blipFill>
         <p:spPr bwMode="auto">
           <a:xfrm>
-            <a:off x="4579554" y="3032567"/>
+            <a:off x="4579554" y="2669731"/>
             <a:ext cx="3032891" cy="2118980"/>
           </a:xfrm>
           <a:prstGeom prst="rect">
@@ -6585,6 +6670,88 @@
           </a:extLst>
         </p:spPr>
       </p:pic>
+      <p:sp>
+        <p:nvSpPr>
+          <p:cNvPr id="4" name="CasellaDiTesto 3">
+            <a:extLst>
+              <a:ext uri="{FF2B5EF4-FFF2-40B4-BE49-F238E27FC236}">
+                <a16:creationId xmlns:a16="http://schemas.microsoft.com/office/drawing/2014/main" id="{50B62FD4-3491-4A74-8F56-C9ADAB8BD3F2}"/>
+              </a:ext>
+            </a:extLst>
+          </p:cNvPr>
+          <p:cNvSpPr txBox="1"/>
+          <p:nvPr/>
+        </p:nvSpPr>
+        <p:spPr>
+          <a:xfrm>
+            <a:off x="838199" y="5767754"/>
+            <a:ext cx="10891345" cy="461665"/>
+          </a:xfrm>
+          <a:prstGeom prst="rect">
+            <a:avLst/>
+          </a:prstGeom>
+          <a:noFill/>
+        </p:spPr>
+        <p:txBody>
+          <a:bodyPr wrap="square">
+            <a:spAutoFit/>
+          </a:bodyPr>
+          <a:lstStyle/>
+          <a:p>
+            <a:pPr marL="0" indent="0">
+              <a:buNone/>
+            </a:pPr>
+            <a:r>
+              <a:rPr lang="it-IT" sz="2400" dirty="0">
+                <a:cs typeface="Calibri"/>
+              </a:rPr>
+              <a:t>For</a:t>
+            </a:r>
+            <a:r>
+              <a:rPr lang="it-IT" sz="2400" spc="-5" dirty="0">
+                <a:cs typeface="Calibri"/>
+              </a:rPr>
+              <a:t> </a:t>
+            </a:r>
+            <a:r>
+              <a:rPr lang="it-IT" sz="2400" dirty="0">
+                <a:cs typeface="Calibri"/>
+              </a:rPr>
+              <a:t>a facsimile</a:t>
+            </a:r>
+            <a:r>
+              <a:rPr lang="it-IT" sz="2400" spc="20" dirty="0">
+                <a:cs typeface="Calibri"/>
+              </a:rPr>
+              <a:t> </a:t>
+            </a:r>
+            <a:r>
+              <a:rPr lang="it-IT" sz="2400" dirty="0">
+                <a:cs typeface="Calibri"/>
+              </a:rPr>
+              <a:t>solution</a:t>
+            </a:r>
+            <a:r>
+              <a:rPr lang="it-IT" sz="2400" spc="5" dirty="0">
+                <a:cs typeface="Calibri"/>
+              </a:rPr>
+              <a:t> </a:t>
+            </a:r>
+            <a:r>
+              <a:rPr lang="it-IT" sz="2400" dirty="0" err="1">
+                <a:cs typeface="Calibri"/>
+              </a:rPr>
+              <a:t>see</a:t>
+            </a:r>
+            <a:r>
+              <a:rPr lang="it-IT" sz="2400" dirty="0">
+                <a:cs typeface="Calibri"/>
+              </a:rPr>
+              <a:t> TSA_09_SARIMA.ipynb and TSA_06_Forecasting_Sol.ipynb </a:t>
+            </a:r>
+          </a:p>
+        </p:txBody>
+      </p:sp>
     </p:spTree>
     <p:extLst>
       <p:ext uri="{BB962C8B-B14F-4D97-AF65-F5344CB8AC3E}">
@@ -8374,16 +8541,14 @@
         </p:nvSpPr>
         <p:spPr>
           <a:xfrm>
-            <a:off x="838200" y="1825625"/>
-            <a:ext cx="10791092" cy="4351339"/>
+            <a:off x="838200" y="1602886"/>
+            <a:ext cx="10791092" cy="4530726"/>
           </a:xfrm>
-          <a:solidFill>
-            <a:srgbClr val="FFFF00"/>
-          </a:solidFill>
+          <a:noFill/>
         </p:spPr>
         <p:txBody>
           <a:bodyPr>
-            <a:normAutofit lnSpcReduction="10000"/>
+            <a:normAutofit fontScale="77500" lnSpcReduction="20000"/>
           </a:bodyPr>
           <a:lstStyle/>
           <a:p>
@@ -8396,12 +8561,6 @@
             <a:r>
               <a:rPr lang="en-GB" dirty="0"/>
               <a:t>How does ADWIN detect a concept drift?</a:t>
-            </a:r>
-          </a:p>
-          <a:p>
-            <a:r>
-              <a:rPr lang="en-GB" dirty="0"/>
-              <a:t>How does the SML version of KNN work?</a:t>
             </a:r>
           </a:p>
           <a:p>
@@ -8410,21 +8569,22 @@
                 <a:latin typeface="Calibri" panose="020F0502020204030204" pitchFamily="34" charset="0"/>
                 <a:cs typeface="Calibri" panose="020F0502020204030204" pitchFamily="34" charset="0"/>
               </a:rPr>
-              <a:t>Why is </a:t>
-            </a:r>
-            <a:r>
-              <a:rPr lang="en-US" dirty="0" err="1">
-                <a:latin typeface="Calibri" panose="020F0502020204030204" pitchFamily="34" charset="0"/>
-                <a:cs typeface="Calibri" panose="020F0502020204030204" pitchFamily="34" charset="0"/>
-              </a:rPr>
-              <a:t>Hoeffding</a:t>
-            </a:r>
+              <a:t>Given the plot of data distribution, tell which kind of drift occurred and if it necessary to change the decision boundary.</a:t>
+            </a:r>
+          </a:p>
+          <a:p>
             <a:r>
               <a:rPr lang="en-US" dirty="0">
                 <a:latin typeface="Calibri" panose="020F0502020204030204" pitchFamily="34" charset="0"/>
                 <a:cs typeface="Calibri" panose="020F0502020204030204" pitchFamily="34" charset="0"/>
               </a:rPr>
-              <a:t> Bound used in SML to build a decision tree?</a:t>
+              <a:t>Given the plot of the model performance, tell if there is a drift and if the model is able to adapt to it. </a:t>
+            </a:r>
+          </a:p>
+          <a:p>
+            <a:r>
+              <a:rPr lang="en-GB" dirty="0"/>
+              <a:t>How does the SML version of KNN work?</a:t>
             </a:r>
           </a:p>
           <a:p>
@@ -8433,7 +8593,7 @@
                 <a:latin typeface="Calibri" panose="020F0502020204030204" pitchFamily="34" charset="0"/>
                 <a:cs typeface="Calibri" panose="020F0502020204030204" pitchFamily="34" charset="0"/>
               </a:rPr>
-              <a:t>What’s the difference between an additive and a multiplicative model for time series decomposition? </a:t>
+              <a:t>Why is Hoeffding Bound used in SML to build a decision tree?</a:t>
             </a:r>
           </a:p>
           <a:p>
@@ -8442,7 +8602,7 @@
                 <a:latin typeface="Calibri" panose="020F0502020204030204" pitchFamily="34" charset="0"/>
                 <a:cs typeface="Calibri" panose="020F0502020204030204" pitchFamily="34" charset="0"/>
               </a:rPr>
-              <a:t>Given the plot from the additive and the multiplicative decomposition, tell which decomposition suits better and why</a:t>
+              <a:t>How the Poisson distribution is used in SML and what is the difference in using lambda equal to 1 and 6?</a:t>
             </a:r>
           </a:p>
           <a:p>
@@ -8451,10 +8611,17 @@
                 <a:latin typeface="Calibri" panose="020F0502020204030204" pitchFamily="34" charset="0"/>
                 <a:cs typeface="Calibri" panose="020F0502020204030204" pitchFamily="34" charset="0"/>
               </a:rPr>
-              <a:t>Given a line chart that illustrate a time series, tell if it is stationary and why</a:t>
-            </a:r>
-          </a:p>
-          <a:p>
+              <a:t>What’s the difference between an additive and a multiplicative model for time series decomposition? </a:t>
+            </a:r>
+          </a:p>
+          <a:p>
+            <a:r>
+              <a:rPr lang="en-US" dirty="0">
+                <a:latin typeface="Calibri" panose="020F0502020204030204" pitchFamily="34" charset="0"/>
+                <a:cs typeface="Calibri" panose="020F0502020204030204" pitchFamily="34" charset="0"/>
+              </a:rPr>
+              <a:t>Given the plot from the additive and the multiplicative decomposition, tell which decomposition suits better and why.</a:t>
+            </a:r>
             <a:endParaRPr lang="en-GB" dirty="0"/>
           </a:p>
           <a:p>
@@ -8637,9 +8804,19 @@
         </p:spPr>
         <p:txBody>
           <a:bodyPr>
-            <a:normAutofit fontScale="92500" lnSpcReduction="10000"/>
+            <a:normAutofit fontScale="92500" lnSpcReduction="20000"/>
           </a:bodyPr>
           <a:lstStyle/>
+          <a:p>
+            <a:r>
+              <a:rPr lang="en-US" dirty="0">
+                <a:latin typeface="Calibri" panose="020F0502020204030204" pitchFamily="34" charset="0"/>
+                <a:cs typeface="Calibri" panose="020F0502020204030204" pitchFamily="34" charset="0"/>
+              </a:rPr>
+              <a:t>Given a line chart that illustrate a time series, tell if it is stationary and why.</a:t>
+            </a:r>
+            <a:endParaRPr lang="en-GB" dirty="0"/>
+          </a:p>
           <a:p>
             <a:r>
               <a:rPr lang="en-GB" dirty="0"/>
@@ -8916,8 +9093,8 @@
         </p:blipFill>
         <p:spPr>
           <a:xfrm>
-            <a:off x="3152480" y="2560034"/>
-            <a:ext cx="5887039" cy="3887667"/>
+            <a:off x="3944301" y="2598175"/>
+            <a:ext cx="4303397" cy="2841866"/>
           </a:xfrm>
           <a:prstGeom prst="rect">
             <a:avLst/>
@@ -8939,7 +9116,7 @@
         <p:spPr>
           <a:xfrm>
             <a:off x="838200" y="1630382"/>
-            <a:ext cx="8580120" cy="707886"/>
+            <a:ext cx="10515600" cy="892552"/>
           </a:xfrm>
           <a:prstGeom prst="rect">
             <a:avLst/>
@@ -8954,40 +9131,110 @@
           <a:p>
             <a:pPr algn="l"/>
             <a:r>
-              <a:rPr lang="en-GB" sz="2000" dirty="0">
+              <a:rPr lang="en-GB" sz="2600" dirty="0">
                 <a:solidFill>
                   <a:srgbClr val="242424"/>
                 </a:solidFill>
-                <a:latin typeface="-apple-system"/>
               </a:rPr>
               <a:t>Given the following plot showing the performance of a Continual Learning model, d</a:t>
             </a:r>
             <a:r>
-              <a:rPr lang="en-GB" sz="2000" b="0" i="0" dirty="0">
+              <a:rPr lang="en-GB" sz="2600" b="0" i="0" dirty="0">
                 <a:solidFill>
                   <a:srgbClr val="242424"/>
                 </a:solidFill>
                 <a:effectLst/>
-                <a:latin typeface="-apple-system"/>
               </a:rPr>
               <a:t>escribes the learning </a:t>
             </a:r>
             <a:r>
-              <a:rPr lang="en-GB" sz="2000" dirty="0">
+              <a:rPr lang="en-GB" sz="2600" dirty="0">
                 <a:solidFill>
                   <a:srgbClr val="242424"/>
                 </a:solidFill>
-                <a:latin typeface="-apple-system"/>
               </a:rPr>
               <a:t>abilities of the model.</a:t>
             </a:r>
-            <a:endParaRPr lang="en-GB" sz="2000" b="0" i="0" dirty="0">
+            <a:endParaRPr lang="en-GB" sz="2600" b="0" i="0" dirty="0">
               <a:solidFill>
                 <a:srgbClr val="242424"/>
               </a:solidFill>
               <a:effectLst/>
-              <a:latin typeface="-apple-system"/>
             </a:endParaRPr>
+          </a:p>
+        </p:txBody>
+      </p:sp>
+      <p:sp>
+        <p:nvSpPr>
+          <p:cNvPr id="4" name="CasellaDiTesto 3">
+            <a:extLst>
+              <a:ext uri="{FF2B5EF4-FFF2-40B4-BE49-F238E27FC236}">
+                <a16:creationId xmlns:a16="http://schemas.microsoft.com/office/drawing/2014/main" id="{E5C116AD-5B62-5B21-F3A9-17B6E0E0B4F9}"/>
+              </a:ext>
+            </a:extLst>
+          </p:cNvPr>
+          <p:cNvSpPr txBox="1"/>
+          <p:nvPr/>
+        </p:nvSpPr>
+        <p:spPr>
+          <a:xfrm>
+            <a:off x="838200" y="5550985"/>
+            <a:ext cx="6934200" cy="492443"/>
+          </a:xfrm>
+          <a:prstGeom prst="rect">
+            <a:avLst/>
+          </a:prstGeom>
+          <a:noFill/>
+        </p:spPr>
+        <p:txBody>
+          <a:bodyPr wrap="square">
+            <a:spAutoFit/>
+          </a:bodyPr>
+          <a:lstStyle/>
+          <a:p>
+            <a:r>
+              <a:rPr lang="en-GB" sz="2600" dirty="0">
+                <a:cs typeface="Calibri"/>
+              </a:rPr>
+              <a:t>For</a:t>
+            </a:r>
+            <a:r>
+              <a:rPr lang="en-GB" sz="2600" spc="-5" dirty="0">
+                <a:cs typeface="Calibri"/>
+              </a:rPr>
+              <a:t> </a:t>
+            </a:r>
+            <a:r>
+              <a:rPr lang="en-GB" sz="2600" dirty="0">
+                <a:cs typeface="Calibri"/>
+              </a:rPr>
+              <a:t>the</a:t>
+            </a:r>
+            <a:r>
+              <a:rPr lang="en-GB" sz="2600" spc="20" dirty="0">
+                <a:cs typeface="Calibri"/>
+              </a:rPr>
+              <a:t> </a:t>
+            </a:r>
+            <a:r>
+              <a:rPr lang="en-GB" sz="2600" dirty="0">
+                <a:cs typeface="Calibri"/>
+              </a:rPr>
+              <a:t>solution</a:t>
+            </a:r>
+            <a:r>
+              <a:rPr lang="en-GB" sz="2600" spc="5" dirty="0">
+                <a:cs typeface="Calibri"/>
+              </a:rPr>
+              <a:t> </a:t>
+            </a:r>
+            <a:r>
+              <a:rPr lang="en-GB" sz="2600" dirty="0">
+                <a:cs typeface="Calibri"/>
+              </a:rPr>
+              <a:t>see slides 9-11 of 10_1_CL.pdf</a:t>
+            </a:r>
+            <a:endParaRPr lang="en-GB" sz="2600" dirty="0"/>
           </a:p>
         </p:txBody>
       </p:sp>
@@ -9182,61 +9429,54 @@
               <a:buNone/>
             </a:pPr>
             <a:r>
-              <a:rPr lang="it-IT" dirty="0">
+              <a:rPr lang="en-GB" sz="2400" dirty="0">
                 <a:cs typeface="Calibri"/>
               </a:rPr>
               <a:t>For</a:t>
             </a:r>
             <a:r>
-              <a:rPr lang="it-IT" spc="-5" dirty="0">
+              <a:rPr lang="en-GB" sz="2400" spc="-5" dirty="0">
                 <a:cs typeface="Calibri"/>
               </a:rPr>
               <a:t> </a:t>
             </a:r>
             <a:r>
-              <a:rPr lang="it-IT" dirty="0">
+              <a:rPr lang="en-GB" sz="2400" dirty="0">
                 <a:cs typeface="Calibri"/>
               </a:rPr>
               <a:t>the</a:t>
             </a:r>
             <a:r>
-              <a:rPr lang="it-IT" spc="20" dirty="0">
+              <a:rPr lang="en-GB" sz="2400" spc="20" dirty="0">
                 <a:cs typeface="Calibri"/>
               </a:rPr>
               <a:t> </a:t>
             </a:r>
             <a:r>
-              <a:rPr lang="it-IT" dirty="0">
+              <a:rPr lang="en-GB" sz="2400" dirty="0">
                 <a:cs typeface="Calibri"/>
               </a:rPr>
               <a:t>solution</a:t>
             </a:r>
             <a:r>
-              <a:rPr lang="it-IT" spc="5" dirty="0">
+              <a:rPr lang="en-GB" sz="2400" spc="5" dirty="0">
                 <a:cs typeface="Calibri"/>
               </a:rPr>
               <a:t> </a:t>
             </a:r>
             <a:r>
-              <a:rPr lang="it-IT" dirty="0" err="1">
-                <a:cs typeface="Calibri"/>
-              </a:rPr>
-              <a:t>see</a:t>
-            </a:r>
-            <a:r>
-              <a:rPr lang="it-IT" dirty="0">
-                <a:cs typeface="Calibri"/>
-              </a:rPr>
-              <a:t> </a:t>
-            </a:r>
-            <a:r>
-              <a:rPr lang="it-IT" dirty="0">
-                <a:cs typeface="Calibri"/>
-                <a:hlinkClick r:id="rId2"/>
-              </a:rPr>
-              <a:t>here</a:t>
-            </a:r>
-            <a:endParaRPr lang="it-IT" dirty="0">
+              <a:rPr lang="en-GB" sz="2400" dirty="0">
+                <a:cs typeface="Calibri"/>
+              </a:rPr>
+              <a:t>see </a:t>
+            </a:r>
+            <a:r>
+              <a:rPr lang="en-GB" sz="2400" dirty="0" err="1">
+                <a:cs typeface="Calibri"/>
+              </a:rPr>
+              <a:t>Stream_Classification.ipynb</a:t>
+            </a:r>
+            <a:endParaRPr lang="en-GB" sz="2400" dirty="0">
               <a:cs typeface="Calibri"/>
             </a:endParaRPr>
           </a:p>

--- a/lectures/11_SDS_exam-preview/11_Streaming-Data-Science_exam-preview.pptx
+++ b/lectures/11_SDS_exam-preview/11_Streaming-Data-Science_exam-preview.pptx
@@ -367,7 +367,7 @@
           <a:p>
             <a:fld id="{E5C51989-9A18-B94A-8794-50FDA8B77593}" type="slidenum">
               <a:rPr lang="en-US" smtClean="0"/>
-              <a:t>‹N›</a:t>
+              <a:t>‹#›</a:t>
             </a:fld>
             <a:endParaRPr lang="en-US"/>
           </a:p>
@@ -1556,7 +1556,7 @@
           <a:p>
             <a:fld id="{463394A2-5689-C845-95DB-27F089FB77B0}" type="slidenum">
               <a:rPr lang="en-US" smtClean="0"/>
-              <a:t>‹N›</a:t>
+              <a:t>‹#›</a:t>
             </a:fld>
             <a:endParaRPr lang="en-US"/>
           </a:p>
@@ -1753,7 +1753,7 @@
           <a:p>
             <a:fld id="{463394A2-5689-C845-95DB-27F089FB77B0}" type="slidenum">
               <a:rPr lang="en-US" smtClean="0"/>
-              <a:t>‹N›</a:t>
+              <a:t>‹#›</a:t>
             </a:fld>
             <a:endParaRPr lang="en-US"/>
           </a:p>
@@ -1960,7 +1960,7 @@
           <a:p>
             <a:fld id="{463394A2-5689-C845-95DB-27F089FB77B0}" type="slidenum">
               <a:rPr lang="en-US" smtClean="0"/>
-              <a:t>‹N›</a:t>
+              <a:t>‹#›</a:t>
             </a:fld>
             <a:endParaRPr lang="en-US"/>
           </a:p>
@@ -3230,7 +3230,7 @@
           <a:p>
             <a:fld id="{463394A2-5689-C845-95DB-27F089FB77B0}" type="slidenum">
               <a:rPr lang="en-US" smtClean="0"/>
-              <a:t>‹N›</a:t>
+              <a:t>‹#›</a:t>
             </a:fld>
             <a:endParaRPr lang="en-US"/>
           </a:p>
@@ -3504,7 +3504,7 @@
           <a:p>
             <a:fld id="{463394A2-5689-C845-95DB-27F089FB77B0}" type="slidenum">
               <a:rPr lang="en-US" smtClean="0"/>
-              <a:t>‹N›</a:t>
+              <a:t>‹#›</a:t>
             </a:fld>
             <a:endParaRPr lang="en-US"/>
           </a:p>
@@ -3768,7 +3768,7 @@
           <a:p>
             <a:fld id="{463394A2-5689-C845-95DB-27F089FB77B0}" type="slidenum">
               <a:rPr lang="en-US" smtClean="0"/>
-              <a:t>‹N›</a:t>
+              <a:t>‹#›</a:t>
             </a:fld>
             <a:endParaRPr lang="en-US"/>
           </a:p>
@@ -4179,7 +4179,7 @@
           <a:p>
             <a:fld id="{463394A2-5689-C845-95DB-27F089FB77B0}" type="slidenum">
               <a:rPr lang="en-US" smtClean="0"/>
-              <a:t>‹N›</a:t>
+              <a:t>‹#›</a:t>
             </a:fld>
             <a:endParaRPr lang="en-US"/>
           </a:p>
@@ -4319,7 +4319,7 @@
           <a:p>
             <a:fld id="{463394A2-5689-C845-95DB-27F089FB77B0}" type="slidenum">
               <a:rPr lang="en-US" smtClean="0"/>
-              <a:t>‹N›</a:t>
+              <a:t>‹#›</a:t>
             </a:fld>
             <a:endParaRPr lang="en-US"/>
           </a:p>
@@ -4431,7 +4431,7 @@
           <a:p>
             <a:fld id="{463394A2-5689-C845-95DB-27F089FB77B0}" type="slidenum">
               <a:rPr lang="en-US" smtClean="0"/>
-              <a:t>‹N›</a:t>
+              <a:t>‹#›</a:t>
             </a:fld>
             <a:endParaRPr lang="en-US"/>
           </a:p>
@@ -4741,7 +4741,7 @@
           <a:p>
             <a:fld id="{463394A2-5689-C845-95DB-27F089FB77B0}" type="slidenum">
               <a:rPr lang="en-US" smtClean="0"/>
-              <a:t>‹N›</a:t>
+              <a:t>‹#›</a:t>
             </a:fld>
             <a:endParaRPr lang="en-US"/>
           </a:p>
@@ -5028,7 +5028,7 @@
           <a:p>
             <a:fld id="{463394A2-5689-C845-95DB-27F089FB77B0}" type="slidenum">
               <a:rPr lang="en-US" smtClean="0"/>
-              <a:t>‹N›</a:t>
+              <a:t>‹#›</a:t>
             </a:fld>
             <a:endParaRPr lang="en-US"/>
           </a:p>
@@ -5304,7 +5304,7 @@
           <a:p>
             <a:fld id="{463394A2-5689-C845-95DB-27F089FB77B0}" type="slidenum">
               <a:rPr lang="en-US" smtClean="0"/>
-              <a:t>‹N›</a:t>
+              <a:t>‹#›</a:t>
             </a:fld>
             <a:endParaRPr lang="en-US"/>
           </a:p>
@@ -8347,23 +8347,12 @@
             </a:r>
             <a:r>
               <a:rPr lang="en-GB" sz="2800" dirty="0"/>
-              <a:t>Illustrate your explanation with an example</a:t>
-            </a:r>
-            <a:endParaRPr lang="en-GB" dirty="0"/>
-          </a:p>
-          <a:p>
+              <a:t>Illustrate your explanation with an example and discuss the different learning abilities</a:t>
+            </a:r>
             <a:r>
               <a:rPr lang="en-GB" dirty="0"/>
-              <a:t>What’s the catastrophic forgetting problem? </a:t>
-            </a:r>
-            <a:r>
-              <a:rPr lang="en-GB" sz="2800" dirty="0"/>
-              <a:t>Illustrate your explanation with an example</a:t>
-            </a:r>
-            <a:endParaRPr lang="en-GB" dirty="0"/>
-          </a:p>
-          <a:p>
-            <a:endParaRPr lang="en-GB" dirty="0"/>
+              <a:t>.</a:t>
+            </a:r>
           </a:p>
           <a:p>
             <a:pPr marL="0" indent="0">
@@ -9179,7 +9168,7 @@
         <p:spPr>
           <a:xfrm>
             <a:off x="838200" y="5550985"/>
-            <a:ext cx="6934200" cy="492443"/>
+            <a:ext cx="6934200" cy="892552"/>
           </a:xfrm>
           <a:prstGeom prst="rect">
             <a:avLst/>
@@ -9232,7 +9221,13 @@
               <a:rPr lang="en-GB" sz="2600" dirty="0">
                 <a:cs typeface="Calibri"/>
               </a:rPr>
-              <a:t>see slides 9-11 of 10_1_CL.pdf</a:t>
+              <a:t>see slides 9-11 of 10_1_CL.pdf and </a:t>
+            </a:r>
+            <a:r>
+              <a:rPr lang="en-GB" sz="2600" dirty="0" err="1">
+                <a:cs typeface="Calibri"/>
+              </a:rPr>
+              <a:t>intro_to_CL.ipynb</a:t>
             </a:r>
             <a:endParaRPr lang="en-GB" sz="2600" dirty="0"/>
           </a:p>
